--- a/DL_class2015/Lecture 11 RNN_LSTM.pptx
+++ b/DL_class2015/Lecture 11 RNN_LSTM.pptx
@@ -8,7 +8,7 @@
     <p:sldMasterId id="2147483741" r:id="rId4"/>
   </p:sldMasterIdLst>
   <p:notesMasterIdLst>
-    <p:notesMasterId r:id="rId39"/>
+    <p:notesMasterId r:id="rId40"/>
   </p:notesMasterIdLst>
   <p:sldIdLst>
     <p:sldId id="453" r:id="rId5"/>
@@ -27,24 +27,25 @@
     <p:sldId id="509" r:id="rId18"/>
     <p:sldId id="459" r:id="rId19"/>
     <p:sldId id="466" r:id="rId20"/>
-    <p:sldId id="467" r:id="rId21"/>
-    <p:sldId id="469" r:id="rId22"/>
-    <p:sldId id="475" r:id="rId23"/>
-    <p:sldId id="518" r:id="rId24"/>
-    <p:sldId id="510" r:id="rId25"/>
-    <p:sldId id="482" r:id="rId26"/>
-    <p:sldId id="476" r:id="rId27"/>
-    <p:sldId id="485" r:id="rId28"/>
-    <p:sldId id="480" r:id="rId29"/>
-    <p:sldId id="481" r:id="rId30"/>
-    <p:sldId id="498" r:id="rId31"/>
-    <p:sldId id="499" r:id="rId32"/>
-    <p:sldId id="511" r:id="rId33"/>
-    <p:sldId id="500" r:id="rId34"/>
-    <p:sldId id="503" r:id="rId35"/>
-    <p:sldId id="501" r:id="rId36"/>
-    <p:sldId id="514" r:id="rId37"/>
-    <p:sldId id="519" r:id="rId38"/>
+    <p:sldId id="520" r:id="rId21"/>
+    <p:sldId id="521" r:id="rId22"/>
+    <p:sldId id="467" r:id="rId23"/>
+    <p:sldId id="469" r:id="rId24"/>
+    <p:sldId id="475" r:id="rId25"/>
+    <p:sldId id="518" r:id="rId26"/>
+    <p:sldId id="510" r:id="rId27"/>
+    <p:sldId id="482" r:id="rId28"/>
+    <p:sldId id="476" r:id="rId29"/>
+    <p:sldId id="485" r:id="rId30"/>
+    <p:sldId id="481" r:id="rId31"/>
+    <p:sldId id="498" r:id="rId32"/>
+    <p:sldId id="499" r:id="rId33"/>
+    <p:sldId id="511" r:id="rId34"/>
+    <p:sldId id="500" r:id="rId35"/>
+    <p:sldId id="503" r:id="rId36"/>
+    <p:sldId id="501" r:id="rId37"/>
+    <p:sldId id="514" r:id="rId38"/>
+    <p:sldId id="519" r:id="rId39"/>
   </p:sldIdLst>
   <p:sldSz cx="9144000" cy="6858000" type="screen4x3"/>
   <p:notesSz cx="6858000" cy="9144000"/>
@@ -266,7 +267,7 @@
             <a:fld id="{67F62A93-AE3C-4D30-8D62-F26DD423996C}" type="datetimeFigureOut">
               <a:rPr lang="en-US" smtClean="0"/>
               <a:pPr/>
-              <a:t>5/31/2015</a:t>
+              <a:t>6/1/2015</a:t>
             </a:fld>
             <a:endParaRPr lang="en-US"/>
           </a:p>
@@ -1277,7 +1278,7 @@
             <a:fld id="{AF066705-BFC2-47FC-919A-C2CF25C8DC43}" type="slidenum">
               <a:rPr lang="en-US" smtClean="0"/>
               <a:pPr/>
-              <a:t>21</a:t>
+              <a:t>23</a:t>
             </a:fld>
             <a:endParaRPr lang="en-US"/>
           </a:p>
@@ -1362,7 +1363,7 @@
             <a:fld id="{AF066705-BFC2-47FC-919A-C2CF25C8DC43}" type="slidenum">
               <a:rPr lang="en-US" smtClean="0"/>
               <a:pPr/>
-              <a:t>22</a:t>
+              <a:t>24</a:t>
             </a:fld>
             <a:endParaRPr lang="en-US"/>
           </a:p>
@@ -1447,7 +1448,7 @@
             <a:fld id="{AF066705-BFC2-47FC-919A-C2CF25C8DC43}" type="slidenum">
               <a:rPr lang="en-US" smtClean="0"/>
               <a:pPr/>
-              <a:t>29</a:t>
+              <a:t>30</a:t>
             </a:fld>
             <a:endParaRPr lang="en-US"/>
           </a:p>
@@ -10914,11 +10915,7 @@
             </a:br>
             <a:r>
               <a:rPr lang="en-US" sz="3600" dirty="0" smtClean="0"/>
-              <a:t>Recurrent </a:t>
-            </a:r>
-            <a:r>
-              <a:rPr lang="en-US" sz="3600" dirty="0" smtClean="0"/>
-              <a:t>Neural Networks</a:t>
+              <a:t>Recurrent Neural Networks</a:t>
             </a:r>
             <a:br>
               <a:rPr lang="en-US" sz="3600" dirty="0" smtClean="0"/>
@@ -11559,7 +11556,6 @@
               <a:rPr lang="en-US" dirty="0"/>
               <a:t>time explicitly with a fixed-length window of the recent history :</a:t>
             </a:r>
-            <a:endParaRPr lang="en-US" dirty="0"/>
           </a:p>
         </p:txBody>
       </p:sp>
@@ -12355,6 +12351,13 @@
   <p:transition>
     <p:fade/>
   </p:transition>
+  <p:timing>
+    <p:tnLst>
+      <p:par>
+        <p:cTn id="1" dur="indefinite" restart="never" nodeType="tmRoot"/>
+      </p:par>
+    </p:tnLst>
+  </p:timing>
 </p:sld>
 </file>
 
@@ -12626,30 +12629,852 @@
           </a:p>
         </p:txBody>
       </p:sp>
-      <p:pic>
-        <p:nvPicPr>
-          <p:cNvPr id="7" name="Picture 6"/>
-          <p:cNvPicPr>
-            <a:picLocks noChangeAspect="1"/>
-          </p:cNvPicPr>
+      <mc:AlternateContent xmlns:mc="http://schemas.openxmlformats.org/markup-compatibility/2006" xmlns:a14="http://schemas.microsoft.com/office/drawing/2010/main">
+        <mc:Choice Requires="a14">
+          <p:sp>
+            <p:nvSpPr>
+              <p:cNvPr id="4" name="TextBox 3"/>
+              <p:cNvSpPr txBox="1"/>
+              <p:nvPr/>
+            </p:nvSpPr>
+            <p:spPr>
+              <a:xfrm>
+                <a:off x="838200" y="2965219"/>
+                <a:ext cx="4191000" cy="1472070"/>
+              </a:xfrm>
+              <a:prstGeom prst="rect">
+                <a:avLst/>
+              </a:prstGeom>
+              <a:noFill/>
+            </p:spPr>
+            <p:txBody>
+              <a:bodyPr wrap="square" rtlCol="1">
+                <a:spAutoFit/>
+              </a:bodyPr>
+              <a:lstStyle/>
+              <a:p>
+                <a:pPr/>
+                <a14:m>
+                  <m:oMathPara xmlns:m="http://schemas.openxmlformats.org/officeDocument/2006/math">
+                    <m:oMathParaPr>
+                      <m:jc m:val="centerGroup"/>
+                    </m:oMathParaPr>
+                    <m:oMath xmlns:m="http://schemas.openxmlformats.org/officeDocument/2006/math">
+                      <m:sSub>
+                        <m:sSubPr>
+                          <m:ctrlPr>
+                            <a:rPr lang="en-US" sz="2800" b="0" i="1" smtClean="0">
+                              <a:latin typeface="Cambria Math" panose="02040503050406030204" pitchFamily="18" charset="0"/>
+                            </a:rPr>
+                          </m:ctrlPr>
+                        </m:sSubPr>
+                        <m:e>
+                          <m:r>
+                            <a:rPr lang="en-US" sz="2800" b="0" i="1" smtClean="0">
+                              <a:latin typeface="Cambria Math" panose="02040503050406030204" pitchFamily="18" charset="0"/>
+                            </a:rPr>
+                            <m:t>h</m:t>
+                          </m:r>
+                        </m:e>
+                        <m:sub>
+                          <m:r>
+                            <a:rPr lang="en-US" sz="2800" b="0" i="1" smtClean="0">
+                              <a:latin typeface="Cambria Math" panose="02040503050406030204" pitchFamily="18" charset="0"/>
+                            </a:rPr>
+                            <m:t>𝑡</m:t>
+                          </m:r>
+                        </m:sub>
+                      </m:sSub>
+                      <m:r>
+                        <a:rPr lang="en-US" sz="2800" b="0" i="1" smtClean="0">
+                          <a:latin typeface="Cambria Math" panose="02040503050406030204" pitchFamily="18" charset="0"/>
+                        </a:rPr>
+                        <m:t>=</m:t>
+                      </m:r>
+                      <m:sSubSup>
+                        <m:sSubSupPr>
+                          <m:ctrlPr>
+                            <a:rPr lang="en-US" sz="2800" b="0" i="1" smtClean="0">
+                              <a:latin typeface="Cambria Math" panose="02040503050406030204" pitchFamily="18" charset="0"/>
+                            </a:rPr>
+                          </m:ctrlPr>
+                        </m:sSubSupPr>
+                        <m:e>
+                          <m:r>
+                            <a:rPr lang="en-US" sz="2800" b="0" i="1" smtClean="0">
+                              <a:latin typeface="Cambria Math" panose="02040503050406030204" pitchFamily="18" charset="0"/>
+                            </a:rPr>
+                            <m:t>𝑊</m:t>
+                          </m:r>
+                        </m:e>
+                        <m:sub>
+                          <m:r>
+                            <a:rPr lang="en-US" sz="2800" b="0" i="1" smtClean="0">
+                              <a:latin typeface="Cambria Math" panose="02040503050406030204" pitchFamily="18" charset="0"/>
+                            </a:rPr>
+                            <m:t>𝑟</m:t>
+                          </m:r>
+                        </m:sub>
+                        <m:sup>
+                          <m:r>
+                            <a:rPr lang="en-US" sz="2800" b="0" i="1" smtClean="0">
+                              <a:latin typeface="Cambria Math" panose="02040503050406030204" pitchFamily="18" charset="0"/>
+                            </a:rPr>
+                            <m:t>𝑇</m:t>
+                          </m:r>
+                        </m:sup>
+                      </m:sSubSup>
+                      <m:r>
+                        <a:rPr lang="en-US" sz="2800" b="0" i="1" smtClean="0">
+                          <a:latin typeface="Cambria Math" panose="02040503050406030204" pitchFamily="18" charset="0"/>
+                        </a:rPr>
+                        <m:t>𝜙</m:t>
+                      </m:r>
+                      <m:d>
+                        <m:dPr>
+                          <m:ctrlPr>
+                            <a:rPr lang="en-US" sz="2800" b="0" i="1" smtClean="0">
+                              <a:latin typeface="Cambria Math" panose="02040503050406030204" pitchFamily="18" charset="0"/>
+                            </a:rPr>
+                          </m:ctrlPr>
+                        </m:dPr>
+                        <m:e>
+                          <m:sSub>
+                            <m:sSubPr>
+                              <m:ctrlPr>
+                                <a:rPr lang="en-US" sz="2800" b="0" i="1" smtClean="0">
+                                  <a:latin typeface="Cambria Math" panose="02040503050406030204" pitchFamily="18" charset="0"/>
+                                </a:rPr>
+                              </m:ctrlPr>
+                            </m:sSubPr>
+                            <m:e>
+                              <m:r>
+                                <a:rPr lang="en-US" sz="2800" b="0" i="1" smtClean="0">
+                                  <a:latin typeface="Cambria Math" panose="02040503050406030204" pitchFamily="18" charset="0"/>
+                                </a:rPr>
+                                <m:t>h</m:t>
+                              </m:r>
+                            </m:e>
+                            <m:sub>
+                              <m:r>
+                                <a:rPr lang="en-US" sz="2800" b="0" i="1" smtClean="0">
+                                  <a:latin typeface="Cambria Math" panose="02040503050406030204" pitchFamily="18" charset="0"/>
+                                </a:rPr>
+                                <m:t>𝑡</m:t>
+                              </m:r>
+                              <m:r>
+                                <a:rPr lang="en-US" sz="2800" b="0" i="1" smtClean="0">
+                                  <a:latin typeface="Cambria Math" panose="02040503050406030204" pitchFamily="18" charset="0"/>
+                                </a:rPr>
+                                <m:t>−</m:t>
+                              </m:r>
+                              <m:r>
+                                <a:rPr lang="en-US" sz="2800" b="0" i="1" smtClean="0">
+                                  <a:latin typeface="Cambria Math" panose="02040503050406030204" pitchFamily="18" charset="0"/>
+                                </a:rPr>
+                                <m:t>1</m:t>
+                              </m:r>
+                            </m:sub>
+                          </m:sSub>
+                        </m:e>
+                      </m:d>
+                      <m:r>
+                        <a:rPr lang="en-US" sz="2800" b="0" i="1" smtClean="0">
+                          <a:latin typeface="Cambria Math" panose="02040503050406030204" pitchFamily="18" charset="0"/>
+                        </a:rPr>
+                        <m:t>+</m:t>
+                      </m:r>
+                      <m:sSubSup>
+                        <m:sSubSupPr>
+                          <m:ctrlPr>
+                            <a:rPr lang="en-US" sz="2800" b="0" i="1" smtClean="0">
+                              <a:latin typeface="Cambria Math" panose="02040503050406030204" pitchFamily="18" charset="0"/>
+                            </a:rPr>
+                          </m:ctrlPr>
+                        </m:sSubSupPr>
+                        <m:e>
+                          <m:r>
+                            <a:rPr lang="en-US" sz="2800" b="0" i="1" smtClean="0">
+                              <a:latin typeface="Cambria Math" panose="02040503050406030204" pitchFamily="18" charset="0"/>
+                            </a:rPr>
+                            <m:t>𝑊</m:t>
+                          </m:r>
+                        </m:e>
+                        <m:sub>
+                          <m:r>
+                            <a:rPr lang="en-US" sz="2800" b="0" i="1" smtClean="0">
+                              <a:latin typeface="Cambria Math" panose="02040503050406030204" pitchFamily="18" charset="0"/>
+                            </a:rPr>
+                            <m:t>𝑥</m:t>
+                          </m:r>
+                        </m:sub>
+                        <m:sup>
+                          <m:r>
+                            <a:rPr lang="en-US" sz="2800" b="0" i="1" smtClean="0">
+                              <a:latin typeface="Cambria Math" panose="02040503050406030204" pitchFamily="18" charset="0"/>
+                            </a:rPr>
+                            <m:t>𝑇</m:t>
+                          </m:r>
+                        </m:sup>
+                      </m:sSubSup>
+                      <m:sSub>
+                        <m:sSubPr>
+                          <m:ctrlPr>
+                            <a:rPr lang="en-US" sz="2800" b="0" i="1" smtClean="0">
+                              <a:latin typeface="Cambria Math" panose="02040503050406030204" pitchFamily="18" charset="0"/>
+                            </a:rPr>
+                          </m:ctrlPr>
+                        </m:sSubPr>
+                        <m:e>
+                          <m:r>
+                            <a:rPr lang="en-US" sz="2800" b="0" i="1" smtClean="0">
+                              <a:latin typeface="Cambria Math" panose="02040503050406030204" pitchFamily="18" charset="0"/>
+                            </a:rPr>
+                            <m:t>𝑥</m:t>
+                          </m:r>
+                        </m:e>
+                        <m:sub>
+                          <m:r>
+                            <a:rPr lang="en-US" sz="2800" b="0" i="1" smtClean="0">
+                              <a:latin typeface="Cambria Math" panose="02040503050406030204" pitchFamily="18" charset="0"/>
+                            </a:rPr>
+                            <m:t>𝑡</m:t>
+                          </m:r>
+                        </m:sub>
+                      </m:sSub>
+                    </m:oMath>
+                  </m:oMathPara>
+                </a14:m>
+                <a:endParaRPr lang="en-US" sz="2800" b="0" i="1" dirty="0" smtClean="0"/>
+              </a:p>
+              <a:p>
+                <a:pPr/>
+                <a14:m>
+                  <m:oMathPara xmlns:m="http://schemas.openxmlformats.org/officeDocument/2006/math">
+                    <m:oMathParaPr>
+                      <m:jc m:val="centerGroup"/>
+                    </m:oMathParaPr>
+                    <m:oMath xmlns:m="http://schemas.openxmlformats.org/officeDocument/2006/math">
+                      <m:sSub>
+                        <m:sSubPr>
+                          <m:ctrlPr>
+                            <a:rPr lang="en-US" sz="2800" b="0" i="1" smtClean="0">
+                              <a:latin typeface="Cambria Math" panose="02040503050406030204" pitchFamily="18" charset="0"/>
+                            </a:rPr>
+                          </m:ctrlPr>
+                        </m:sSubPr>
+                        <m:e>
+                          <m:r>
+                            <a:rPr lang="en-US" sz="2800" b="0" i="1" smtClean="0">
+                              <a:latin typeface="Cambria Math" panose="02040503050406030204" pitchFamily="18" charset="0"/>
+                            </a:rPr>
+                            <m:t>𝑦</m:t>
+                          </m:r>
+                        </m:e>
+                        <m:sub>
+                          <m:r>
+                            <a:rPr lang="en-US" sz="2800" b="0" i="1" smtClean="0">
+                              <a:latin typeface="Cambria Math" panose="02040503050406030204" pitchFamily="18" charset="0"/>
+                            </a:rPr>
+                            <m:t>𝑡</m:t>
+                          </m:r>
+                        </m:sub>
+                      </m:sSub>
+                      <m:r>
+                        <a:rPr lang="en-US" sz="2800" b="0" i="1" smtClean="0">
+                          <a:latin typeface="Cambria Math" panose="02040503050406030204" pitchFamily="18" charset="0"/>
+                        </a:rPr>
+                        <m:t>=</m:t>
+                      </m:r>
+                      <m:sSubSup>
+                        <m:sSubSupPr>
+                          <m:ctrlPr>
+                            <a:rPr lang="en-US" sz="2800" b="0" i="1" smtClean="0">
+                              <a:latin typeface="Cambria Math" panose="02040503050406030204" pitchFamily="18" charset="0"/>
+                            </a:rPr>
+                          </m:ctrlPr>
+                        </m:sSubSupPr>
+                        <m:e>
+                          <m:r>
+                            <a:rPr lang="en-US" sz="2800" b="0" i="1" smtClean="0">
+                              <a:latin typeface="Cambria Math" panose="02040503050406030204" pitchFamily="18" charset="0"/>
+                            </a:rPr>
+                            <m:t>𝑊</m:t>
+                          </m:r>
+                        </m:e>
+                        <m:sub>
+                          <m:r>
+                            <a:rPr lang="en-US" sz="2800" b="0" i="1" smtClean="0">
+                              <a:latin typeface="Cambria Math" panose="02040503050406030204" pitchFamily="18" charset="0"/>
+                            </a:rPr>
+                            <m:t>𝑦</m:t>
+                          </m:r>
+                        </m:sub>
+                        <m:sup>
+                          <m:r>
+                            <a:rPr lang="en-US" sz="2800" b="0" i="1" smtClean="0">
+                              <a:latin typeface="Cambria Math" panose="02040503050406030204" pitchFamily="18" charset="0"/>
+                            </a:rPr>
+                            <m:t>𝑇</m:t>
+                          </m:r>
+                        </m:sup>
+                      </m:sSubSup>
+                      <m:r>
+                        <a:rPr lang="en-US" sz="2800" b="0" i="1" smtClean="0">
+                          <a:latin typeface="Cambria Math" panose="02040503050406030204" pitchFamily="18" charset="0"/>
+                        </a:rPr>
+                        <m:t>𝜙</m:t>
+                      </m:r>
+                      <m:r>
+                        <a:rPr lang="en-US" sz="2800" b="0" i="1" smtClean="0">
+                          <a:latin typeface="Cambria Math" panose="02040503050406030204" pitchFamily="18" charset="0"/>
+                        </a:rPr>
+                        <m:t>(</m:t>
+                      </m:r>
+                      <m:sSub>
+                        <m:sSubPr>
+                          <m:ctrlPr>
+                            <a:rPr lang="en-US" sz="2800" b="0" i="1" smtClean="0">
+                              <a:latin typeface="Cambria Math" panose="02040503050406030204" pitchFamily="18" charset="0"/>
+                            </a:rPr>
+                          </m:ctrlPr>
+                        </m:sSubPr>
+                        <m:e>
+                          <m:r>
+                            <a:rPr lang="en-US" sz="2800" b="0" i="1" smtClean="0">
+                              <a:latin typeface="Cambria Math" panose="02040503050406030204" pitchFamily="18" charset="0"/>
+                            </a:rPr>
+                            <m:t>h</m:t>
+                          </m:r>
+                        </m:e>
+                        <m:sub>
+                          <m:r>
+                            <a:rPr lang="en-US" sz="2800" b="0" i="1" smtClean="0">
+                              <a:latin typeface="Cambria Math" panose="02040503050406030204" pitchFamily="18" charset="0"/>
+                            </a:rPr>
+                            <m:t>𝑡</m:t>
+                          </m:r>
+                        </m:sub>
+                      </m:sSub>
+                      <m:r>
+                        <a:rPr lang="en-US" sz="2800" b="0" i="1" smtClean="0">
+                          <a:latin typeface="Cambria Math" panose="02040503050406030204" pitchFamily="18" charset="0"/>
+                        </a:rPr>
+                        <m:t>)</m:t>
+                      </m:r>
+                    </m:oMath>
+                  </m:oMathPara>
+                </a14:m>
+                <a:endParaRPr lang="en-US" sz="2800" b="0" i="1" dirty="0" smtClean="0"/>
+              </a:p>
+              <a:p>
+                <a:endParaRPr lang="he-IL" sz="2800" dirty="0"/>
+              </a:p>
+            </p:txBody>
+          </p:sp>
+        </mc:Choice>
+        <mc:Fallback xmlns="">
+          <p:sp>
+            <p:nvSpPr>
+              <p:cNvPr id="4" name="TextBox 3"/>
+              <p:cNvSpPr txBox="1">
+                <a:spLocks noRot="1" noChangeAspect="1" noMove="1" noResize="1" noEditPoints="1" noAdjustHandles="1" noChangeArrowheads="1" noChangeShapeType="1" noTextEdit="1"/>
+              </p:cNvSpPr>
+              <p:nvPr/>
+            </p:nvSpPr>
+            <p:spPr>
+              <a:xfrm>
+                <a:off x="838200" y="2965219"/>
+                <a:ext cx="4191000" cy="1472070"/>
+              </a:xfrm>
+              <a:prstGeom prst="rect">
+                <a:avLst/>
+              </a:prstGeom>
+              <a:blipFill rotWithShape="0">
+                <a:blip r:embed="rId2"/>
+                <a:stretch>
+                  <a:fillRect/>
+                </a:stretch>
+              </a:blipFill>
+            </p:spPr>
+            <p:txBody>
+              <a:bodyPr/>
+              <a:lstStyle/>
+              <a:p>
+                <a:r>
+                  <a:rPr lang="he-IL">
+                    <a:noFill/>
+                  </a:rPr>
+                  <a:t> </a:t>
+                </a:r>
+              </a:p>
+            </p:txBody>
+          </p:sp>
+        </mc:Fallback>
+      </mc:AlternateContent>
+      <mc:AlternateContent xmlns:mc="http://schemas.openxmlformats.org/markup-compatibility/2006" xmlns:a14="http://schemas.microsoft.com/office/drawing/2010/main">
+        <mc:Choice Requires="a14">
+          <p:sp>
+            <p:nvSpPr>
+              <p:cNvPr id="6" name="Oval 5"/>
+              <p:cNvSpPr/>
+              <p:nvPr/>
+            </p:nvSpPr>
+            <p:spPr>
+              <a:xfrm>
+                <a:off x="6172200" y="2479678"/>
+                <a:ext cx="838200" cy="838200"/>
+              </a:xfrm>
+              <a:prstGeom prst="ellipse">
+                <a:avLst/>
+              </a:prstGeom>
+            </p:spPr>
+            <p:style>
+              <a:lnRef idx="1">
+                <a:schemeClr val="dk1"/>
+              </a:lnRef>
+              <a:fillRef idx="2">
+                <a:schemeClr val="dk1"/>
+              </a:fillRef>
+              <a:effectRef idx="1">
+                <a:schemeClr val="dk1"/>
+              </a:effectRef>
+              <a:fontRef idx="minor">
+                <a:schemeClr val="dk1"/>
+              </a:fontRef>
+            </p:style>
+            <p:txBody>
+              <a:bodyPr rtlCol="1" anchor="ctr"/>
+              <a:lstStyle/>
+              <a:p>
+                <a:pPr algn="ctr"/>
+                <a14:m>
+                  <m:oMathPara xmlns:m="http://schemas.openxmlformats.org/officeDocument/2006/math">
+                    <m:oMathParaPr>
+                      <m:jc m:val="centerGroup"/>
+                    </m:oMathParaPr>
+                    <m:oMath xmlns:m="http://schemas.openxmlformats.org/officeDocument/2006/math">
+                      <m:sSub>
+                        <m:sSubPr>
+                          <m:ctrlPr>
+                            <a:rPr lang="en-US" b="0" i="1" smtClean="0">
+                              <a:latin typeface="Cambria Math" panose="02040503050406030204" pitchFamily="18" charset="0"/>
+                            </a:rPr>
+                          </m:ctrlPr>
+                        </m:sSubPr>
+                        <m:e>
+                          <m:r>
+                            <a:rPr lang="en-US" b="0" i="1" smtClean="0">
+                              <a:latin typeface="Cambria Math" panose="02040503050406030204" pitchFamily="18" charset="0"/>
+                            </a:rPr>
+                            <m:t>𝑦</m:t>
+                          </m:r>
+                        </m:e>
+                        <m:sub>
+                          <m:r>
+                            <a:rPr lang="en-US" b="0" i="1" smtClean="0">
+                              <a:latin typeface="Cambria Math" panose="02040503050406030204" pitchFamily="18" charset="0"/>
+                            </a:rPr>
+                            <m:t>𝑡</m:t>
+                          </m:r>
+                        </m:sub>
+                      </m:sSub>
+                    </m:oMath>
+                  </m:oMathPara>
+                </a14:m>
+                <a:endParaRPr lang="he-IL" dirty="0"/>
+              </a:p>
+            </p:txBody>
+          </p:sp>
+        </mc:Choice>
+        <mc:Fallback xmlns="">
+          <p:sp>
+            <p:nvSpPr>
+              <p:cNvPr id="6" name="Oval 5"/>
+              <p:cNvSpPr>
+                <a:spLocks noRot="1" noChangeAspect="1" noMove="1" noResize="1" noEditPoints="1" noAdjustHandles="1" noChangeArrowheads="1" noChangeShapeType="1" noTextEdit="1"/>
+              </p:cNvSpPr>
+              <p:nvPr/>
+            </p:nvSpPr>
+            <p:spPr>
+              <a:xfrm>
+                <a:off x="6172200" y="2479678"/>
+                <a:ext cx="838200" cy="838200"/>
+              </a:xfrm>
+              <a:prstGeom prst="ellipse">
+                <a:avLst/>
+              </a:prstGeom>
+              <a:blipFill rotWithShape="0">
+                <a:blip r:embed="rId3"/>
+                <a:stretch>
+                  <a:fillRect/>
+                </a:stretch>
+              </a:blipFill>
+            </p:spPr>
+            <p:txBody>
+              <a:bodyPr/>
+              <a:lstStyle/>
+              <a:p>
+                <a:r>
+                  <a:rPr lang="he-IL">
+                    <a:noFill/>
+                  </a:rPr>
+                  <a:t> </a:t>
+                </a:r>
+              </a:p>
+            </p:txBody>
+          </p:sp>
+        </mc:Fallback>
+      </mc:AlternateContent>
+      <mc:AlternateContent xmlns:mc="http://schemas.openxmlformats.org/markup-compatibility/2006" xmlns:a14="http://schemas.microsoft.com/office/drawing/2010/main">
+        <mc:Choice Requires="a14">
+          <p:sp>
+            <p:nvSpPr>
+              <p:cNvPr id="9" name="Oval 8"/>
+              <p:cNvSpPr/>
+              <p:nvPr/>
+            </p:nvSpPr>
+            <p:spPr>
+              <a:xfrm>
+                <a:off x="6172200" y="3868739"/>
+                <a:ext cx="838200" cy="838200"/>
+              </a:xfrm>
+              <a:prstGeom prst="ellipse">
+                <a:avLst/>
+              </a:prstGeom>
+            </p:spPr>
+            <p:style>
+              <a:lnRef idx="1">
+                <a:schemeClr val="dk1"/>
+              </a:lnRef>
+              <a:fillRef idx="2">
+                <a:schemeClr val="dk1"/>
+              </a:fillRef>
+              <a:effectRef idx="1">
+                <a:schemeClr val="dk1"/>
+              </a:effectRef>
+              <a:fontRef idx="minor">
+                <a:schemeClr val="dk1"/>
+              </a:fontRef>
+            </p:style>
+            <p:txBody>
+              <a:bodyPr rtlCol="1" anchor="ctr"/>
+              <a:lstStyle/>
+              <a:p>
+                <a:pPr algn="ctr"/>
+                <a14:m>
+                  <m:oMathPara xmlns:m="http://schemas.openxmlformats.org/officeDocument/2006/math">
+                    <m:oMathParaPr>
+                      <m:jc m:val="centerGroup"/>
+                    </m:oMathParaPr>
+                    <m:oMath xmlns:m="http://schemas.openxmlformats.org/officeDocument/2006/math">
+                      <m:sSub>
+                        <m:sSubPr>
+                          <m:ctrlPr>
+                            <a:rPr lang="en-US" b="0" i="1" smtClean="0">
+                              <a:latin typeface="Cambria Math" panose="02040503050406030204" pitchFamily="18" charset="0"/>
+                            </a:rPr>
+                          </m:ctrlPr>
+                        </m:sSubPr>
+                        <m:e>
+                          <m:r>
+                            <a:rPr lang="en-US" b="0" i="1" smtClean="0">
+                              <a:latin typeface="Cambria Math" panose="02040503050406030204" pitchFamily="18" charset="0"/>
+                            </a:rPr>
+                            <m:t>h</m:t>
+                          </m:r>
+                        </m:e>
+                        <m:sub>
+                          <m:r>
+                            <a:rPr lang="en-US" b="0" i="1" smtClean="0">
+                              <a:latin typeface="Cambria Math" panose="02040503050406030204" pitchFamily="18" charset="0"/>
+                            </a:rPr>
+                            <m:t>𝑡</m:t>
+                          </m:r>
+                        </m:sub>
+                      </m:sSub>
+                    </m:oMath>
+                  </m:oMathPara>
+                </a14:m>
+                <a:endParaRPr lang="he-IL" dirty="0"/>
+              </a:p>
+            </p:txBody>
+          </p:sp>
+        </mc:Choice>
+        <mc:Fallback xmlns="">
+          <p:sp>
+            <p:nvSpPr>
+              <p:cNvPr id="9" name="Oval 8"/>
+              <p:cNvSpPr>
+                <a:spLocks noRot="1" noChangeAspect="1" noMove="1" noResize="1" noEditPoints="1" noAdjustHandles="1" noChangeArrowheads="1" noChangeShapeType="1" noTextEdit="1"/>
+              </p:cNvSpPr>
+              <p:nvPr/>
+            </p:nvSpPr>
+            <p:spPr>
+              <a:xfrm>
+                <a:off x="6172200" y="3868739"/>
+                <a:ext cx="838200" cy="838200"/>
+              </a:xfrm>
+              <a:prstGeom prst="ellipse">
+                <a:avLst/>
+              </a:prstGeom>
+              <a:blipFill rotWithShape="0">
+                <a:blip r:embed="rId4"/>
+                <a:stretch>
+                  <a:fillRect/>
+                </a:stretch>
+              </a:blipFill>
+            </p:spPr>
+            <p:txBody>
+              <a:bodyPr/>
+              <a:lstStyle/>
+              <a:p>
+                <a:r>
+                  <a:rPr lang="he-IL">
+                    <a:noFill/>
+                  </a:rPr>
+                  <a:t> </a:t>
+                </a:r>
+              </a:p>
+            </p:txBody>
+          </p:sp>
+        </mc:Fallback>
+      </mc:AlternateContent>
+      <mc:AlternateContent xmlns:mc="http://schemas.openxmlformats.org/markup-compatibility/2006" xmlns:a14="http://schemas.microsoft.com/office/drawing/2010/main">
+        <mc:Choice Requires="a14">
+          <p:sp>
+            <p:nvSpPr>
+              <p:cNvPr id="10" name="Oval 9"/>
+              <p:cNvSpPr/>
+              <p:nvPr/>
+            </p:nvSpPr>
+            <p:spPr>
+              <a:xfrm>
+                <a:off x="6172200" y="5257800"/>
+                <a:ext cx="838200" cy="838200"/>
+              </a:xfrm>
+              <a:prstGeom prst="ellipse">
+                <a:avLst/>
+              </a:prstGeom>
+            </p:spPr>
+            <p:style>
+              <a:lnRef idx="1">
+                <a:schemeClr val="dk1"/>
+              </a:lnRef>
+              <a:fillRef idx="2">
+                <a:schemeClr val="dk1"/>
+              </a:fillRef>
+              <a:effectRef idx="1">
+                <a:schemeClr val="dk1"/>
+              </a:effectRef>
+              <a:fontRef idx="minor">
+                <a:schemeClr val="dk1"/>
+              </a:fontRef>
+            </p:style>
+            <p:txBody>
+              <a:bodyPr rtlCol="1" anchor="ctr"/>
+              <a:lstStyle/>
+              <a:p>
+                <a:pPr algn="ctr"/>
+                <a14:m>
+                  <m:oMathPara xmlns:m="http://schemas.openxmlformats.org/officeDocument/2006/math">
+                    <m:oMathParaPr>
+                      <m:jc m:val="centerGroup"/>
+                    </m:oMathParaPr>
+                    <m:oMath xmlns:m="http://schemas.openxmlformats.org/officeDocument/2006/math">
+                      <m:sSub>
+                        <m:sSubPr>
+                          <m:ctrlPr>
+                            <a:rPr lang="en-US" b="0" i="1" smtClean="0">
+                              <a:latin typeface="Cambria Math" panose="02040503050406030204" pitchFamily="18" charset="0"/>
+                            </a:rPr>
+                          </m:ctrlPr>
+                        </m:sSubPr>
+                        <m:e>
+                          <m:r>
+                            <a:rPr lang="en-US" b="0" i="1" smtClean="0">
+                              <a:latin typeface="Cambria Math" panose="02040503050406030204" pitchFamily="18" charset="0"/>
+                            </a:rPr>
+                            <m:t>𝑥</m:t>
+                          </m:r>
+                        </m:e>
+                        <m:sub>
+                          <m:r>
+                            <a:rPr lang="en-US" b="0" i="1" smtClean="0">
+                              <a:latin typeface="Cambria Math" panose="02040503050406030204" pitchFamily="18" charset="0"/>
+                            </a:rPr>
+                            <m:t>𝑡</m:t>
+                          </m:r>
+                        </m:sub>
+                      </m:sSub>
+                    </m:oMath>
+                  </m:oMathPara>
+                </a14:m>
+                <a:endParaRPr lang="he-IL" dirty="0"/>
+              </a:p>
+            </p:txBody>
+          </p:sp>
+        </mc:Choice>
+        <mc:Fallback xmlns="">
+          <p:sp>
+            <p:nvSpPr>
+              <p:cNvPr id="10" name="Oval 9"/>
+              <p:cNvSpPr>
+                <a:spLocks noRot="1" noChangeAspect="1" noMove="1" noResize="1" noEditPoints="1" noAdjustHandles="1" noChangeArrowheads="1" noChangeShapeType="1" noTextEdit="1"/>
+              </p:cNvSpPr>
+              <p:nvPr/>
+            </p:nvSpPr>
+            <p:spPr>
+              <a:xfrm>
+                <a:off x="6172200" y="5257800"/>
+                <a:ext cx="838200" cy="838200"/>
+              </a:xfrm>
+              <a:prstGeom prst="ellipse">
+                <a:avLst/>
+              </a:prstGeom>
+              <a:blipFill rotWithShape="0">
+                <a:blip r:embed="rId5"/>
+                <a:stretch>
+                  <a:fillRect/>
+                </a:stretch>
+              </a:blipFill>
+            </p:spPr>
+            <p:txBody>
+              <a:bodyPr/>
+              <a:lstStyle/>
+              <a:p>
+                <a:r>
+                  <a:rPr lang="he-IL">
+                    <a:noFill/>
+                  </a:rPr>
+                  <a:t> </a:t>
+                </a:r>
+              </a:p>
+            </p:txBody>
+          </p:sp>
+        </mc:Fallback>
+      </mc:AlternateContent>
+      <p:cxnSp>
+        <p:nvCxnSpPr>
+          <p:cNvPr id="12" name="Curved Connector 11"/>
+          <p:cNvCxnSpPr>
+            <a:stCxn id="9" idx="7"/>
+            <a:endCxn id="9" idx="5"/>
+          </p:cNvCxnSpPr>
           <p:nvPr/>
-        </p:nvPicPr>
-        <p:blipFill>
-          <a:blip r:embed="rId2"/>
-          <a:stretch>
-            <a:fillRect/>
-          </a:stretch>
-        </p:blipFill>
+        </p:nvCxnSpPr>
         <p:spPr>
-          <a:xfrm>
-            <a:off x="1468440" y="2743200"/>
-            <a:ext cx="6211883" cy="2497938"/>
+          <a:xfrm rot="16200000" flipH="1">
+            <a:off x="6591300" y="4287839"/>
+            <a:ext cx="592696" cy="12700"/>
           </a:xfrm>
-          <a:prstGeom prst="rect">
+          <a:prstGeom prst="curvedConnector5">
+            <a:avLst>
+              <a:gd name="adj1" fmla="val -38570"/>
+              <a:gd name="adj2" fmla="val 7433449"/>
+              <a:gd name="adj3" fmla="val 138570"/>
+            </a:avLst>
+          </a:prstGeom>
+          <a:ln>
+            <a:solidFill>
+              <a:schemeClr val="tx2"/>
+            </a:solidFill>
+            <a:tailEnd type="triangle"/>
+          </a:ln>
+        </p:spPr>
+        <p:style>
+          <a:lnRef idx="1">
+            <a:schemeClr val="accent1"/>
+          </a:lnRef>
+          <a:fillRef idx="0">
+            <a:schemeClr val="accent1"/>
+          </a:fillRef>
+          <a:effectRef idx="0">
+            <a:schemeClr val="accent1"/>
+          </a:effectRef>
+          <a:fontRef idx="minor">
+            <a:schemeClr val="tx1"/>
+          </a:fontRef>
+        </p:style>
+      </p:cxnSp>
+      <p:cxnSp>
+        <p:nvCxnSpPr>
+          <p:cNvPr id="14" name="Straight Arrow Connector 13"/>
+          <p:cNvCxnSpPr>
+            <a:stCxn id="9" idx="0"/>
+            <a:endCxn id="6" idx="4"/>
+          </p:cNvCxnSpPr>
+          <p:nvPr/>
+        </p:nvCxnSpPr>
+        <p:spPr>
+          <a:xfrm flipV="1">
+            <a:off x="6591300" y="3317878"/>
+            <a:ext cx="0" cy="550861"/>
+          </a:xfrm>
+          <a:prstGeom prst="straightConnector1">
             <a:avLst/>
           </a:prstGeom>
+          <a:ln>
+            <a:solidFill>
+              <a:schemeClr val="tx2"/>
+            </a:solidFill>
+            <a:tailEnd type="triangle"/>
+          </a:ln>
         </p:spPr>
-      </p:pic>
+        <p:style>
+          <a:lnRef idx="1">
+            <a:schemeClr val="accent1"/>
+          </a:lnRef>
+          <a:fillRef idx="0">
+            <a:schemeClr val="accent1"/>
+          </a:fillRef>
+          <a:effectRef idx="0">
+            <a:schemeClr val="accent1"/>
+          </a:effectRef>
+          <a:fontRef idx="minor">
+            <a:schemeClr val="tx1"/>
+          </a:fontRef>
+        </p:style>
+      </p:cxnSp>
+      <p:cxnSp>
+        <p:nvCxnSpPr>
+          <p:cNvPr id="15" name="Straight Arrow Connector 14"/>
+          <p:cNvCxnSpPr>
+            <a:stCxn id="10" idx="0"/>
+            <a:endCxn id="9" idx="4"/>
+          </p:cNvCxnSpPr>
+          <p:nvPr/>
+        </p:nvCxnSpPr>
+        <p:spPr>
+          <a:xfrm flipV="1">
+            <a:off x="6591300" y="4706939"/>
+            <a:ext cx="0" cy="550861"/>
+          </a:xfrm>
+          <a:prstGeom prst="straightConnector1">
+            <a:avLst/>
+          </a:prstGeom>
+          <a:ln>
+            <a:solidFill>
+              <a:schemeClr val="tx2"/>
+            </a:solidFill>
+            <a:tailEnd type="triangle"/>
+          </a:ln>
+        </p:spPr>
+        <p:style>
+          <a:lnRef idx="1">
+            <a:schemeClr val="accent1"/>
+          </a:lnRef>
+          <a:fillRef idx="0">
+            <a:schemeClr val="accent1"/>
+          </a:fillRef>
+          <a:effectRef idx="0">
+            <a:schemeClr val="accent1"/>
+          </a:effectRef>
+          <a:fontRef idx="minor">
+            <a:schemeClr val="tx1"/>
+          </a:fontRef>
+        </p:style>
+      </p:cxnSp>
     </p:spTree>
     <p:extLst>
       <p:ext uri="{BB962C8B-B14F-4D97-AF65-F5344CB8AC3E}">
@@ -12760,13 +13585,23 @@
             </a:r>
             <a:r>
               <a:rPr lang="en-US" dirty="0" smtClean="0"/>
-              <a:t>Eduardo</a:t>
-            </a:r>
+              <a:t>Eduardo)</a:t>
+            </a:r>
+          </a:p>
+          <a:p>
+            <a:pPr marL="350820" lvl="1" indent="0">
+              <a:buNone/>
+            </a:pPr>
+            <a:endParaRPr lang="en-US" dirty="0" smtClean="0"/>
+          </a:p>
+          <a:p>
+            <a:pPr marL="350820" lvl="1" indent="0">
+              <a:buNone/>
+            </a:pPr>
             <a:r>
               <a:rPr lang="en-US" dirty="0" smtClean="0"/>
-              <a:t>)</a:t>
-            </a:r>
-            <a:endParaRPr lang="en-US" dirty="0" smtClean="0"/>
+              <a:t>What theses RNNs do?</a:t>
+            </a:r>
           </a:p>
         </p:txBody>
       </p:sp>
@@ -12809,7 +13644,7 @@
         </p:blipFill>
         <p:spPr>
           <a:xfrm>
-            <a:off x="6477000" y="3581400"/>
+            <a:off x="6477000" y="3773768"/>
             <a:ext cx="1135408" cy="3049587"/>
           </a:xfrm>
           <a:prstGeom prst="rect">
@@ -12833,7 +13668,7 @@
         </p:blipFill>
         <p:spPr>
           <a:xfrm>
-            <a:off x="1981200" y="3581400"/>
+            <a:off x="1905000" y="3773768"/>
             <a:ext cx="2504153" cy="2857219"/>
           </a:xfrm>
           <a:prstGeom prst="rect">
@@ -12881,120 +13716,32 @@
           <a:chExt cx="0" cy="0"/>
         </a:xfrm>
       </p:grpSpPr>
-      <p:sp>
-        <p:nvSpPr>
-          <p:cNvPr id="2" name="Content Placeholder 1"/>
-          <p:cNvSpPr>
-            <a:spLocks noGrp="1"/>
-          </p:cNvSpPr>
+      <p:pic>
+        <p:nvPicPr>
+          <p:cNvPr id="6" name="Content Placeholder 5"/>
+          <p:cNvPicPr>
+            <a:picLocks noGrp="1" noChangeAspect="1"/>
+          </p:cNvPicPr>
           <p:nvPr>
             <p:ph idx="1"/>
           </p:nvPr>
-        </p:nvSpPr>
+        </p:nvPicPr>
+        <p:blipFill>
+          <a:blip r:embed="rId2"/>
+          <a:stretch>
+            <a:fillRect/>
+          </a:stretch>
+        </p:blipFill>
         <p:spPr>
           <a:xfrm>
-            <a:off x="455614" y="1201739"/>
-            <a:ext cx="8237537" cy="2303461"/>
+            <a:off x="771948" y="1371600"/>
+            <a:ext cx="7604868" cy="4343400"/>
           </a:xfrm>
+          <a:prstGeom prst="rect">
+            <a:avLst/>
+          </a:prstGeom>
         </p:spPr>
-        <p:txBody>
-          <a:bodyPr/>
-          <a:lstStyle/>
-          <a:p>
-            <a:pPr marL="0" indent="0">
-              <a:buNone/>
-            </a:pPr>
-            <a:r>
-              <a:rPr lang="en-US" dirty="0" smtClean="0"/>
-              <a:t>Back </a:t>
-            </a:r>
-            <a:r>
-              <a:rPr lang="en-US" dirty="0"/>
-              <a:t>propagation through </a:t>
-            </a:r>
-            <a:r>
-              <a:rPr lang="en-US" dirty="0" smtClean="0"/>
-              <a:t>time</a:t>
-            </a:r>
-            <a:r>
-              <a:rPr lang="en-US" dirty="0"/>
-              <a:t>:</a:t>
-            </a:r>
-            <a:r>
-              <a:rPr lang="en-US" dirty="0" smtClean="0"/>
-              <a:t> </a:t>
-            </a:r>
-            <a:endParaRPr lang="en-US" dirty="0"/>
-          </a:p>
-          <a:p>
-            <a:pPr marL="808020" lvl="1" indent="-457200">
-              <a:buFont typeface="+mj-lt"/>
-              <a:buAutoNum type="arabicPeriod"/>
-            </a:pPr>
-            <a:r>
-              <a:rPr lang="en-US" dirty="0" smtClean="0"/>
-              <a:t>Unfold network in time (</a:t>
-            </a:r>
-            <a:r>
-              <a:rPr lang="en-US" b="1" dirty="0" smtClean="0"/>
-              <a:t>remember all </a:t>
-            </a:r>
-            <a:r>
-              <a:rPr lang="en-US" b="1" dirty="0" err="1" smtClean="0"/>
-              <a:t>interm</a:t>
-            </a:r>
-            <a:r>
-              <a:rPr lang="en-US" b="1" dirty="0" smtClean="0"/>
-              <a:t>. steps</a:t>
-            </a:r>
-            <a:r>
-              <a:rPr lang="en-US" dirty="0" smtClean="0"/>
-              <a:t>)</a:t>
-            </a:r>
-          </a:p>
-          <a:p>
-            <a:pPr marL="808020" lvl="1" indent="-457200">
-              <a:buFont typeface="+mj-lt"/>
-              <a:buAutoNum type="arabicPeriod"/>
-            </a:pPr>
-            <a:r>
-              <a:rPr lang="en-US" dirty="0" smtClean="0"/>
-              <a:t>Apply gradient back-propagation recursively back in time from T to 1</a:t>
-            </a:r>
-          </a:p>
-          <a:p>
-            <a:pPr marL="808020" lvl="1" indent="-457200">
-              <a:buFont typeface="+mj-lt"/>
-              <a:buAutoNum type="arabicPeriod"/>
-            </a:pPr>
-            <a:r>
-              <a:rPr lang="en-US" dirty="0" smtClean="0"/>
-              <a:t>Sum over </a:t>
-            </a:r>
-            <a:r>
-              <a:rPr lang="en-US" dirty="0" smtClean="0"/>
-              <a:t>the </a:t>
-            </a:r>
-            <a:r>
-              <a:rPr lang="en-US" dirty="0"/>
-              <a:t>whole </a:t>
-            </a:r>
-            <a:r>
-              <a:rPr lang="en-US" dirty="0" smtClean="0"/>
-              <a:t>sequence ( t=1..T) </a:t>
-            </a:r>
-            <a:r>
-              <a:rPr lang="en-US" dirty="0"/>
-              <a:t>to get the derivatives with respect to the </a:t>
-            </a:r>
-            <a:r>
-              <a:rPr lang="en-US" dirty="0" smtClean="0"/>
-              <a:t>weights  </a:t>
-            </a:r>
-            <a:endParaRPr lang="en-US" dirty="0"/>
-          </a:p>
-        </p:txBody>
-      </p:sp>
+      </p:pic>
       <p:sp>
         <p:nvSpPr>
           <p:cNvPr id="3" name="Title 2"/>
@@ -13012,284 +13759,16 @@
           <a:p>
             <a:r>
               <a:rPr lang="en-US" dirty="0" smtClean="0"/>
-              <a:t>RNN training</a:t>
+              <a:t>Recurrent NN</a:t>
             </a:r>
             <a:endParaRPr lang="en-US" dirty="0"/>
-          </a:p>
-        </p:txBody>
-      </p:sp>
-      <p:grpSp>
-        <p:nvGrpSpPr>
-          <p:cNvPr id="5" name="Group 4"/>
-          <p:cNvGrpSpPr/>
-          <p:nvPr/>
-        </p:nvGrpSpPr>
-        <p:grpSpPr>
-          <a:xfrm>
-            <a:off x="76200" y="3352801"/>
-            <a:ext cx="9067800" cy="2895599"/>
-            <a:chOff x="76200" y="3505200"/>
-            <a:chExt cx="9067800" cy="2895599"/>
-          </a:xfrm>
-        </p:grpSpPr>
-        <p:pic>
-          <p:nvPicPr>
-            <p:cNvPr id="4098" name="Picture 2"/>
-            <p:cNvPicPr>
-              <a:picLocks noChangeAspect="1" noChangeArrowheads="1"/>
-            </p:cNvPicPr>
-            <p:nvPr/>
-          </p:nvPicPr>
-          <p:blipFill>
-            <a:blip r:embed="rId2">
-              <a:extLst>
-                <a:ext uri="{28A0092B-C50C-407E-A947-70E740481C1C}">
-                  <a14:useLocalDpi xmlns:a14="http://schemas.microsoft.com/office/drawing/2010/main" val="0"/>
-                </a:ext>
-              </a:extLst>
-            </a:blip>
-            <a:srcRect/>
-            <a:stretch>
-              <a:fillRect/>
-            </a:stretch>
-          </p:blipFill>
-          <p:spPr bwMode="auto">
-            <a:xfrm>
-              <a:off x="4191000" y="3505200"/>
-              <a:ext cx="4953000" cy="2895599"/>
-            </a:xfrm>
-            <a:prstGeom prst="rect">
-              <a:avLst/>
-            </a:prstGeom>
-            <a:noFill/>
-            <a:ln>
-              <a:noFill/>
-            </a:ln>
-            <a:effectLst/>
-            <a:extLst>
-              <a:ext uri="{909E8E84-426E-40DD-AFC4-6F175D3DCCD1}">
-                <a14:hiddenFill xmlns:a14="http://schemas.microsoft.com/office/drawing/2010/main">
-                  <a:solidFill>
-                    <a:schemeClr val="accent1"/>
-                  </a:solidFill>
-                </a14:hiddenFill>
-              </a:ext>
-              <a:ext uri="{91240B29-F687-4F45-9708-019B960494DF}">
-                <a14:hiddenLine xmlns:a14="http://schemas.microsoft.com/office/drawing/2010/main" w="9525">
-                  <a:solidFill>
-                    <a:schemeClr val="tx1"/>
-                  </a:solidFill>
-                  <a:miter lim="800000"/>
-                  <a:headEnd/>
-                  <a:tailEnd/>
-                </a14:hiddenLine>
-              </a:ext>
-              <a:ext uri="{AF507438-7753-43E0-B8FC-AC1667EBCBE1}">
-                <a14:hiddenEffects xmlns:a14="http://schemas.microsoft.com/office/drawing/2010/main">
-                  <a:effectLst>
-                    <a:outerShdw dist="35921" dir="2700000" algn="ctr" rotWithShape="0">
-                      <a:schemeClr val="bg2"/>
-                    </a:outerShdw>
-                  </a:effectLst>
-                </a14:hiddenEffects>
-              </a:ext>
-            </a:extLst>
-          </p:spPr>
-        </p:pic>
-        <p:grpSp>
-          <p:nvGrpSpPr>
-            <p:cNvPr id="4" name="Group 3"/>
-            <p:cNvGrpSpPr/>
-            <p:nvPr/>
-          </p:nvGrpSpPr>
-          <p:grpSpPr>
-            <a:xfrm>
-              <a:off x="76200" y="3643313"/>
-              <a:ext cx="3855823" cy="2681287"/>
-              <a:chOff x="228601" y="3657600"/>
-              <a:chExt cx="3962399" cy="2681287"/>
-            </a:xfrm>
-          </p:grpSpPr>
-          <p:pic>
-            <p:nvPicPr>
-              <p:cNvPr id="4100" name="Picture 4"/>
-              <p:cNvPicPr>
-                <a:picLocks noChangeAspect="1" noChangeArrowheads="1"/>
-              </p:cNvPicPr>
-              <p:nvPr/>
-            </p:nvPicPr>
-            <p:blipFill>
-              <a:blip r:embed="rId3">
-                <a:extLst>
-                  <a:ext uri="{28A0092B-C50C-407E-A947-70E740481C1C}">
-                    <a14:useLocalDpi xmlns:a14="http://schemas.microsoft.com/office/drawing/2010/main" val="0"/>
-                  </a:ext>
-                </a:extLst>
-              </a:blip>
-              <a:srcRect/>
-              <a:stretch>
-                <a:fillRect/>
-              </a:stretch>
-            </p:blipFill>
-            <p:spPr bwMode="auto">
-              <a:xfrm>
-                <a:off x="228601" y="3657600"/>
-                <a:ext cx="3962399" cy="1819790"/>
-              </a:xfrm>
-              <a:prstGeom prst="rect">
-                <a:avLst/>
-              </a:prstGeom>
-              <a:noFill/>
-              <a:ln>
-                <a:noFill/>
-              </a:ln>
-              <a:effectLst/>
-              <a:extLst>
-                <a:ext uri="{909E8E84-426E-40DD-AFC4-6F175D3DCCD1}">
-                  <a14:hiddenFill xmlns:a14="http://schemas.microsoft.com/office/drawing/2010/main">
-                    <a:solidFill>
-                      <a:schemeClr val="accent1"/>
-                    </a:solidFill>
-                  </a14:hiddenFill>
-                </a:ext>
-                <a:ext uri="{91240B29-F687-4F45-9708-019B960494DF}">
-                  <a14:hiddenLine xmlns:a14="http://schemas.microsoft.com/office/drawing/2010/main" w="9525">
-                    <a:solidFill>
-                      <a:schemeClr val="tx1"/>
-                    </a:solidFill>
-                    <a:miter lim="800000"/>
-                    <a:headEnd/>
-                    <a:tailEnd/>
-                  </a14:hiddenLine>
-                </a:ext>
-                <a:ext uri="{AF507438-7753-43E0-B8FC-AC1667EBCBE1}">
-                  <a14:hiddenEffects xmlns:a14="http://schemas.microsoft.com/office/drawing/2010/main">
-                    <a:effectLst>
-                      <a:outerShdw dist="35921" dir="2700000" algn="ctr" rotWithShape="0">
-                        <a:schemeClr val="bg2"/>
-                      </a:outerShdw>
-                    </a:effectLst>
-                  </a14:hiddenEffects>
-                </a:ext>
-              </a:extLst>
-            </p:spPr>
-          </p:pic>
-          <p:pic>
-            <p:nvPicPr>
-              <p:cNvPr id="4101" name="Picture 5"/>
-              <p:cNvPicPr>
-                <a:picLocks noChangeAspect="1" noChangeArrowheads="1"/>
-              </p:cNvPicPr>
-              <p:nvPr/>
-            </p:nvPicPr>
-            <p:blipFill>
-              <a:blip r:embed="rId4">
-                <a:extLst>
-                  <a:ext uri="{28A0092B-C50C-407E-A947-70E740481C1C}">
-                    <a14:useLocalDpi xmlns:a14="http://schemas.microsoft.com/office/drawing/2010/main" val="0"/>
-                  </a:ext>
-                </a:extLst>
-              </a:blip>
-              <a:srcRect/>
-              <a:stretch>
-                <a:fillRect/>
-              </a:stretch>
-            </p:blipFill>
-            <p:spPr bwMode="auto">
-              <a:xfrm>
-                <a:off x="381000" y="5446923"/>
-                <a:ext cx="3322673" cy="891964"/>
-              </a:xfrm>
-              <a:prstGeom prst="rect">
-                <a:avLst/>
-              </a:prstGeom>
-              <a:noFill/>
-              <a:ln>
-                <a:noFill/>
-              </a:ln>
-              <a:effectLst/>
-              <a:extLst>
-                <a:ext uri="{909E8E84-426E-40DD-AFC4-6F175D3DCCD1}">
-                  <a14:hiddenFill xmlns:a14="http://schemas.microsoft.com/office/drawing/2010/main">
-                    <a:solidFill>
-                      <a:schemeClr val="accent1"/>
-                    </a:solidFill>
-                  </a14:hiddenFill>
-                </a:ext>
-                <a:ext uri="{91240B29-F687-4F45-9708-019B960494DF}">
-                  <a14:hiddenLine xmlns:a14="http://schemas.microsoft.com/office/drawing/2010/main" w="9525">
-                    <a:solidFill>
-                      <a:schemeClr val="tx1"/>
-                    </a:solidFill>
-                    <a:miter lim="800000"/>
-                    <a:headEnd/>
-                    <a:tailEnd/>
-                  </a14:hiddenLine>
-                </a:ext>
-                <a:ext uri="{AF507438-7753-43E0-B8FC-AC1667EBCBE1}">
-                  <a14:hiddenEffects xmlns:a14="http://schemas.microsoft.com/office/drawing/2010/main">
-                    <a:effectLst>
-                      <a:outerShdw dist="35921" dir="2700000" algn="ctr" rotWithShape="0">
-                        <a:schemeClr val="bg2"/>
-                      </a:outerShdw>
-                    </a:effectLst>
-                  </a14:hiddenEffects>
-                </a:ext>
-              </a:extLst>
-            </p:spPr>
-          </p:pic>
-        </p:grpSp>
-      </p:grpSp>
-      <p:sp>
-        <p:nvSpPr>
-          <p:cNvPr id="6" name="TextBox 5"/>
-          <p:cNvSpPr txBox="1"/>
-          <p:nvPr/>
-        </p:nvSpPr>
-        <p:spPr>
-          <a:xfrm>
-            <a:off x="224500" y="6172201"/>
-            <a:ext cx="8614700" cy="307777"/>
-          </a:xfrm>
-          <a:prstGeom prst="rect">
-            <a:avLst/>
-          </a:prstGeom>
-          <a:noFill/>
-        </p:spPr>
-        <p:txBody>
-          <a:bodyPr wrap="square" rtlCol="0">
-            <a:spAutoFit/>
-          </a:bodyPr>
-          <a:lstStyle/>
-          <a:p>
-            <a:r>
-              <a:rPr lang="en-US" sz="1400" dirty="0" err="1" smtClean="0"/>
-              <a:t>Rumelhart</a:t>
-            </a:r>
-            <a:r>
-              <a:rPr lang="en-US" sz="1400" dirty="0" smtClean="0"/>
-              <a:t>, Hinton, Williams </a:t>
-            </a:r>
-            <a:r>
-              <a:rPr lang="en-US" sz="1400" i="1" dirty="0" smtClean="0"/>
-              <a:t>Learning </a:t>
-            </a:r>
-            <a:r>
-              <a:rPr lang="en-US" sz="1400" i="1" smtClean="0"/>
-              <a:t>internal representation </a:t>
-            </a:r>
-            <a:r>
-              <a:rPr lang="en-US" sz="1400" i="1" dirty="0" smtClean="0"/>
-              <a:t>by error propagation, 1996</a:t>
-            </a:r>
-            <a:endParaRPr lang="en-US" sz="1400" i="1" dirty="0"/>
           </a:p>
         </p:txBody>
       </p:sp>
     </p:spTree>
     <p:extLst>
       <p:ext uri="{BB962C8B-B14F-4D97-AF65-F5344CB8AC3E}">
-        <p14:creationId xmlns:p14="http://schemas.microsoft.com/office/powerpoint/2010/main" val="4180029667"/>
+        <p14:creationId xmlns:p14="http://schemas.microsoft.com/office/powerpoint/2010/main" val="2905434868"/>
       </p:ext>
     </p:extLst>
   </p:cSld>
@@ -13328,169 +13807,6 @@
       </p:grpSpPr>
       <p:sp>
         <p:nvSpPr>
-          <p:cNvPr id="2" name="Content Placeholder 1"/>
-          <p:cNvSpPr>
-            <a:spLocks noGrp="1"/>
-          </p:cNvSpPr>
-          <p:nvPr>
-            <p:ph idx="1"/>
-          </p:nvPr>
-        </p:nvSpPr>
-        <p:spPr>
-          <a:xfrm>
-            <a:off x="457200" y="1371600"/>
-            <a:ext cx="8237537" cy="4953000"/>
-          </a:xfrm>
-        </p:spPr>
-        <p:txBody>
-          <a:bodyPr/>
-          <a:lstStyle/>
-          <a:p>
-            <a:pPr marL="0" indent="0">
-              <a:buNone/>
-            </a:pPr>
-            <a:r>
-              <a:rPr lang="en-US" dirty="0" smtClean="0"/>
-              <a:t>For </a:t>
-            </a:r>
-            <a:r>
-              <a:rPr lang="en-US" dirty="0"/>
-              <a:t>many sequence labelling tasks it is </a:t>
-            </a:r>
-            <a:r>
-              <a:rPr lang="en-US" dirty="0" smtClean="0"/>
-              <a:t>beneficial </a:t>
-            </a:r>
-            <a:r>
-              <a:rPr lang="en-US" dirty="0"/>
-              <a:t>to have access to future as </a:t>
-            </a:r>
-            <a:r>
-              <a:rPr lang="en-US" dirty="0" smtClean="0"/>
-              <a:t>well as </a:t>
-            </a:r>
-            <a:r>
-              <a:rPr lang="en-US" dirty="0"/>
-              <a:t>past </a:t>
-            </a:r>
-            <a:r>
-              <a:rPr lang="en-US" dirty="0" smtClean="0"/>
-              <a:t>context.</a:t>
-            </a:r>
-          </a:p>
-          <a:p>
-            <a:pPr lvl="1"/>
-            <a:r>
-              <a:rPr lang="en-US" dirty="0"/>
-              <a:t>Most obviously, if the input sequences </a:t>
-            </a:r>
-            <a:r>
-              <a:rPr lang="en-US" dirty="0" smtClean="0"/>
-              <a:t>are spatial </a:t>
-            </a:r>
-            <a:r>
-              <a:rPr lang="en-US" dirty="0"/>
-              <a:t>and not </a:t>
-            </a:r>
-            <a:r>
-              <a:rPr lang="en-US" dirty="0" smtClean="0"/>
-              <a:t>temporal (protein structure prediction)</a:t>
-            </a:r>
-          </a:p>
-          <a:p>
-            <a:pPr lvl="1"/>
-            <a:r>
-              <a:rPr lang="en-US" dirty="0" smtClean="0"/>
-              <a:t>temporal </a:t>
-            </a:r>
-            <a:r>
-              <a:rPr lang="en-US" dirty="0"/>
-              <a:t>tasks, as </a:t>
-            </a:r>
-            <a:r>
-              <a:rPr lang="en-US" dirty="0" smtClean="0"/>
-              <a:t>long as </a:t>
-            </a:r>
-            <a:r>
-              <a:rPr lang="en-US" dirty="0"/>
-              <a:t>the network outputs are only needed at the end of some input </a:t>
-            </a:r>
-            <a:r>
-              <a:rPr lang="en-US" dirty="0" smtClean="0"/>
-              <a:t>segment (handwriting </a:t>
-            </a:r>
-            <a:r>
-              <a:rPr lang="en-US" dirty="0"/>
-              <a:t>&amp;</a:t>
-            </a:r>
-            <a:r>
-              <a:rPr lang="en-US" dirty="0" smtClean="0"/>
-              <a:t> speech recognition)</a:t>
-            </a:r>
-          </a:p>
-          <a:p>
-            <a:pPr marL="693720" lvl="1" indent="-342900"/>
-            <a:r>
-              <a:rPr lang="en-US" dirty="0" smtClean="0"/>
-              <a:t>Workaround: fixed </a:t>
-            </a:r>
-            <a:r>
-              <a:rPr lang="en-US" i="1" dirty="0" smtClean="0"/>
-              <a:t>n </a:t>
-            </a:r>
-            <a:r>
-              <a:rPr lang="en-US" dirty="0" smtClean="0"/>
-              <a:t>look–ahead window to input.</a:t>
-            </a:r>
-          </a:p>
-          <a:p>
-            <a:pPr marL="0" indent="0">
-              <a:buNone/>
-            </a:pPr>
-            <a:endParaRPr lang="en-US" dirty="0" smtClean="0"/>
-          </a:p>
-          <a:p>
-            <a:pPr marL="0" indent="0">
-              <a:buNone/>
-            </a:pPr>
-            <a:r>
-              <a:rPr lang="en-US" dirty="0" smtClean="0"/>
-              <a:t>Bidirectional RNN - more generic idea:</a:t>
-            </a:r>
-          </a:p>
-          <a:p>
-            <a:pPr marL="693720" lvl="1" indent="-342900"/>
-            <a:r>
-              <a:rPr lang="en-US" dirty="0" smtClean="0"/>
-              <a:t>present </a:t>
-            </a:r>
-            <a:r>
-              <a:rPr lang="en-US" dirty="0"/>
-              <a:t>each training sequence forwards and backwards to </a:t>
-            </a:r>
-            <a:r>
-              <a:rPr lang="en-US" dirty="0" smtClean="0"/>
-              <a:t>two separate </a:t>
-            </a:r>
-            <a:r>
-              <a:rPr lang="en-US" dirty="0"/>
-              <a:t>recurrent hidden layers, both of which are connected to the same </a:t>
-            </a:r>
-            <a:r>
-              <a:rPr lang="en-US" dirty="0" smtClean="0"/>
-              <a:t>output layer. </a:t>
-            </a:r>
-          </a:p>
-          <a:p>
-            <a:pPr marL="0" indent="0">
-              <a:buNone/>
-            </a:pPr>
-            <a:endParaRPr lang="en-US" dirty="0" smtClean="0"/>
-          </a:p>
-        </p:txBody>
-      </p:sp>
-      <p:sp>
-        <p:nvSpPr>
           <p:cNvPr id="3" name="Title 2"/>
           <p:cNvSpPr>
             <a:spLocks noGrp="1"/>
@@ -13506,16 +13822,40 @@
           <a:p>
             <a:r>
               <a:rPr lang="en-US" dirty="0" smtClean="0"/>
-              <a:t>Bidirectional RNN</a:t>
+              <a:t>Recurrent NN</a:t>
             </a:r>
             <a:endParaRPr lang="en-US" dirty="0"/>
           </a:p>
         </p:txBody>
       </p:sp>
+      <p:pic>
+        <p:nvPicPr>
+          <p:cNvPr id="4" name="Picture 3"/>
+          <p:cNvPicPr>
+            <a:picLocks noChangeAspect="1"/>
+          </p:cNvPicPr>
+          <p:nvPr/>
+        </p:nvPicPr>
+        <p:blipFill>
+          <a:blip r:embed="rId2"/>
+          <a:stretch>
+            <a:fillRect/>
+          </a:stretch>
+        </p:blipFill>
+        <p:spPr>
+          <a:xfrm>
+            <a:off x="725052" y="1752600"/>
+            <a:ext cx="7698659" cy="4114800"/>
+          </a:xfrm>
+          <a:prstGeom prst="rect">
+            <a:avLst/>
+          </a:prstGeom>
+        </p:spPr>
+      </p:pic>
     </p:spTree>
     <p:extLst>
       <p:ext uri="{BB962C8B-B14F-4D97-AF65-F5344CB8AC3E}">
-        <p14:creationId xmlns:p14="http://schemas.microsoft.com/office/powerpoint/2010/main" val="3926323525"/>
+        <p14:creationId xmlns:p14="http://schemas.microsoft.com/office/powerpoint/2010/main" val="3075059123"/>
       </p:ext>
     </p:extLst>
   </p:cSld>
@@ -13565,7 +13905,7 @@
         <p:spPr>
           <a:xfrm>
             <a:off x="455614" y="1201739"/>
-            <a:ext cx="8237537" cy="2227261"/>
+            <a:ext cx="8237537" cy="2303461"/>
           </a:xfrm>
         </p:spPr>
         <p:txBody>
@@ -13577,54 +13917,86 @@
             </a:pPr>
             <a:r>
               <a:rPr lang="en-US" dirty="0" smtClean="0"/>
-              <a:t>RNN forward and backward propagation has </a:t>
-            </a:r>
-            <a:r>
-              <a:rPr lang="en-US" i="1" dirty="0" smtClean="0"/>
-              <a:t>short memory</a:t>
+              <a:t>Back </a:t>
+            </a:r>
+            <a:r>
+              <a:rPr lang="en-US" dirty="0"/>
+              <a:t>propagation through </a:t>
             </a:r>
             <a:r>
               <a:rPr lang="en-US" dirty="0" smtClean="0"/>
+              <a:t>time</a:t>
+            </a:r>
+            <a:r>
+              <a:rPr lang="en-US" dirty="0"/>
               <a:t>:</a:t>
             </a:r>
-          </a:p>
-          <a:p>
-            <a:pPr lvl="1"/>
+            <a:r>
+              <a:rPr lang="en-US" dirty="0" smtClean="0"/>
+              <a:t> </a:t>
+            </a:r>
+            <a:endParaRPr lang="en-US" dirty="0"/>
+          </a:p>
+          <a:p>
+            <a:pPr marL="808020" lvl="1" indent="-457200">
+              <a:buFont typeface="+mj-lt"/>
+              <a:buAutoNum type="arabicPeriod"/>
+            </a:pPr>
+            <a:r>
+              <a:rPr lang="en-US" dirty="0" smtClean="0"/>
+              <a:t>Unfold network in time (</a:t>
+            </a:r>
+            <a:r>
+              <a:rPr lang="en-US" b="1" dirty="0" smtClean="0"/>
+              <a:t>remember all </a:t>
+            </a:r>
+            <a:r>
+              <a:rPr lang="en-US" b="1" dirty="0" err="1" smtClean="0"/>
+              <a:t>interm</a:t>
+            </a:r>
+            <a:r>
+              <a:rPr lang="en-US" b="1" dirty="0" smtClean="0"/>
+              <a:t>. steps</a:t>
+            </a:r>
+            <a:r>
+              <a:rPr lang="en-US" dirty="0" smtClean="0"/>
+              <a:t>)</a:t>
+            </a:r>
+          </a:p>
+          <a:p>
+            <a:pPr marL="808020" lvl="1" indent="-457200">
+              <a:buFont typeface="+mj-lt"/>
+              <a:buAutoNum type="arabicPeriod"/>
+            </a:pPr>
+            <a:r>
+              <a:rPr lang="en-US" dirty="0" smtClean="0"/>
+              <a:t>Apply gradient back-propagation recursively back in time from T to 1</a:t>
+            </a:r>
+          </a:p>
+          <a:p>
+            <a:pPr marL="808020" lvl="1" indent="-457200">
+              <a:buFont typeface="+mj-lt"/>
+              <a:buAutoNum type="arabicPeriod"/>
+            </a:pPr>
+            <a:r>
+              <a:rPr lang="en-US" dirty="0" smtClean="0"/>
+              <a:t>Sum over the </a:t>
+            </a:r>
             <a:r>
               <a:rPr lang="en-US" dirty="0"/>
-              <a:t>the </a:t>
+              <a:t>whole </a:t>
             </a:r>
             <a:r>
               <a:rPr lang="en-US" dirty="0" smtClean="0"/>
-              <a:t>influence </a:t>
+              <a:t>sequence ( t=1..T) </a:t>
             </a:r>
             <a:r>
               <a:rPr lang="en-US" dirty="0"/>
-              <a:t>of a given input on the hidden layer, and </a:t>
+              <a:t>to get the derivatives with respect to the </a:t>
             </a:r>
             <a:r>
               <a:rPr lang="en-US" dirty="0" smtClean="0"/>
-              <a:t>therefore on </a:t>
-            </a:r>
-            <a:r>
-              <a:rPr lang="en-US" dirty="0"/>
-              <a:t>the network output, either decays or blows up exponentially</a:t>
-            </a:r>
-            <a:endParaRPr lang="en-US" dirty="0" smtClean="0"/>
-          </a:p>
-          <a:p>
-            <a:pPr lvl="1"/>
-            <a:r>
-              <a:rPr lang="en-US" dirty="0" smtClean="0"/>
-              <a:t>The same with </a:t>
-            </a:r>
-            <a:r>
-              <a:rPr lang="en-US" dirty="0"/>
-              <a:t>g</a:t>
-            </a:r>
-            <a:r>
-              <a:rPr lang="en-US" dirty="0" smtClean="0"/>
-              <a:t>radient propagation</a:t>
+              <a:t>weights  </a:t>
             </a:r>
             <a:endParaRPr lang="en-US" dirty="0"/>
           </a:p>
@@ -13647,83 +14019,70 @@
           <a:p>
             <a:r>
               <a:rPr lang="en-US" dirty="0" smtClean="0"/>
-              <a:t>RNN: </a:t>
-            </a:r>
-            <a:r>
-              <a:rPr lang="en-US" dirty="0"/>
-              <a:t>vanishing gradient problem</a:t>
-            </a:r>
+              <a:t>RNN training</a:t>
+            </a:r>
+            <a:endParaRPr lang="en-US" dirty="0"/>
           </a:p>
         </p:txBody>
       </p:sp>
       <p:pic>
         <p:nvPicPr>
-          <p:cNvPr id="10242" name="Picture 2"/>
+          <p:cNvPr id="10" name="Content Placeholder 3"/>
           <p:cNvPicPr>
-            <a:picLocks noChangeAspect="1" noChangeArrowheads="1"/>
+            <a:picLocks noChangeAspect="1"/>
           </p:cNvPicPr>
           <p:nvPr/>
         </p:nvPicPr>
-        <p:blipFill>
-          <a:blip r:embed="rId2">
-            <a:extLst>
-              <a:ext uri="{28A0092B-C50C-407E-A947-70E740481C1C}">
-                <a14:useLocalDpi xmlns:a14="http://schemas.microsoft.com/office/drawing/2010/main" val="0"/>
-              </a:ext>
-            </a:extLst>
-          </a:blip>
-          <a:srcRect/>
-          <a:stretch>
-            <a:fillRect/>
-          </a:stretch>
+        <p:blipFill rotWithShape="1">
+          <a:blip r:embed="rId2"/>
+          <a:srcRect l="17971" r="14490" b="28937"/>
+          <a:stretch/>
         </p:blipFill>
         <p:spPr bwMode="auto">
           <a:xfrm>
-            <a:off x="2133600" y="3429000"/>
-            <a:ext cx="5257800" cy="2853970"/>
+            <a:off x="6324600" y="5474970"/>
+            <a:ext cx="2514600" cy="1383030"/>
           </a:xfrm>
           <a:prstGeom prst="rect">
             <a:avLst/>
           </a:prstGeom>
           <a:noFill/>
-          <a:ln>
+          <a:ln w="9525">
             <a:noFill/>
+            <a:miter lim="800000"/>
+            <a:headEnd/>
+            <a:tailEnd/>
           </a:ln>
-          <a:effectLst/>
-          <a:extLst>
-            <a:ext uri="{909E8E84-426E-40DD-AFC4-6F175D3DCCD1}">
-              <a14:hiddenFill xmlns:a14="http://schemas.microsoft.com/office/drawing/2010/main">
-                <a:solidFill>
-                  <a:schemeClr val="accent1"/>
-                </a:solidFill>
-              </a14:hiddenFill>
-            </a:ext>
-            <a:ext uri="{91240B29-F687-4F45-9708-019B960494DF}">
-              <a14:hiddenLine xmlns:a14="http://schemas.microsoft.com/office/drawing/2010/main" w="9525">
-                <a:solidFill>
-                  <a:schemeClr val="tx1"/>
-                </a:solidFill>
-                <a:miter lim="800000"/>
-                <a:headEnd/>
-                <a:tailEnd/>
-              </a14:hiddenLine>
-            </a:ext>
-            <a:ext uri="{AF507438-7753-43E0-B8FC-AC1667EBCBE1}">
-              <a14:hiddenEffects xmlns:a14="http://schemas.microsoft.com/office/drawing/2010/main">
-                <a:effectLst>
-                  <a:outerShdw dist="35921" dir="2700000" algn="ctr" rotWithShape="0">
-                    <a:schemeClr val="bg2"/>
-                  </a:outerShdw>
-                </a:effectLst>
-              </a14:hiddenEffects>
-            </a:ext>
-          </a:extLst>
+        </p:spPr>
+      </p:pic>
+      <p:pic>
+        <p:nvPicPr>
+          <p:cNvPr id="11" name="Picture 10"/>
+          <p:cNvPicPr>
+            <a:picLocks noChangeAspect="1"/>
+          </p:cNvPicPr>
+          <p:nvPr/>
+        </p:nvPicPr>
+        <p:blipFill>
+          <a:blip r:embed="rId3"/>
+          <a:stretch>
+            <a:fillRect/>
+          </a:stretch>
+        </p:blipFill>
+        <p:spPr>
+          <a:xfrm>
+            <a:off x="838200" y="3659189"/>
+            <a:ext cx="6267822" cy="1900244"/>
+          </a:xfrm>
+          <a:prstGeom prst="rect">
+            <a:avLst/>
+          </a:prstGeom>
         </p:spPr>
       </p:pic>
     </p:spTree>
     <p:extLst>
       <p:ext uri="{BB962C8B-B14F-4D97-AF65-F5344CB8AC3E}">
-        <p14:creationId xmlns:p14="http://schemas.microsoft.com/office/powerpoint/2010/main" val="3430759269"/>
+        <p14:creationId xmlns:p14="http://schemas.microsoft.com/office/powerpoint/2010/main" val="4180029667"/>
       </p:ext>
     </p:extLst>
   </p:cSld>
@@ -13834,7 +14193,6 @@
               <a:rPr lang="en-US" dirty="0" smtClean="0"/>
               <a:t>Simple RNN</a:t>
             </a:r>
-            <a:endParaRPr lang="en-US" dirty="0" smtClean="0"/>
           </a:p>
           <a:p>
             <a:pPr marL="693720" lvl="1" indent="-342900">
@@ -13872,15 +14230,7 @@
             </a:pPr>
             <a:r>
               <a:rPr lang="en-US" dirty="0" smtClean="0"/>
-              <a:t>LSTM </a:t>
-            </a:r>
-            <a:r>
-              <a:rPr lang="en-US" dirty="0" smtClean="0"/>
-              <a:t>(Long-Short Term Memory</a:t>
-            </a:r>
-            <a:r>
-              <a:rPr lang="en-US" dirty="0" smtClean="0"/>
-              <a:t>)</a:t>
+              <a:t>LSTM (Long-Short Term Memory)</a:t>
             </a:r>
           </a:p>
           <a:p>
@@ -13902,7 +14252,6 @@
               <a:rPr lang="en-US" dirty="0" smtClean="0"/>
               <a:t>NTM (Neural Turing Machine)</a:t>
             </a:r>
-            <a:endParaRPr lang="en-US" dirty="0" smtClean="0"/>
           </a:p>
         </p:txBody>
       </p:sp>
@@ -14201,6 +14550,440 @@
 </file>
 
 <file path=ppt/slides/slide20.xml><?xml version="1.0" encoding="utf-8"?>
+<p:sld xmlns:a="http://schemas.openxmlformats.org/drawingml/2006/main" xmlns:r="http://schemas.openxmlformats.org/officeDocument/2006/relationships" xmlns:p="http://schemas.openxmlformats.org/presentationml/2006/main">
+  <p:cSld>
+    <p:spTree>
+      <p:nvGrpSpPr>
+        <p:cNvPr id="1" name=""/>
+        <p:cNvGrpSpPr/>
+        <p:nvPr/>
+      </p:nvGrpSpPr>
+      <p:grpSpPr>
+        <a:xfrm>
+          <a:off x="0" y="0"/>
+          <a:ext cx="0" cy="0"/>
+          <a:chOff x="0" y="0"/>
+          <a:chExt cx="0" cy="0"/>
+        </a:xfrm>
+      </p:grpSpPr>
+      <p:sp>
+        <p:nvSpPr>
+          <p:cNvPr id="2" name="Content Placeholder 1"/>
+          <p:cNvSpPr>
+            <a:spLocks noGrp="1"/>
+          </p:cNvSpPr>
+          <p:nvPr>
+            <p:ph idx="1"/>
+          </p:nvPr>
+        </p:nvSpPr>
+        <p:spPr>
+          <a:xfrm>
+            <a:off x="457200" y="1371600"/>
+            <a:ext cx="8237537" cy="4953000"/>
+          </a:xfrm>
+        </p:spPr>
+        <p:txBody>
+          <a:bodyPr/>
+          <a:lstStyle/>
+          <a:p>
+            <a:pPr marL="0" indent="0">
+              <a:buNone/>
+            </a:pPr>
+            <a:r>
+              <a:rPr lang="en-US" dirty="0" smtClean="0"/>
+              <a:t>For </a:t>
+            </a:r>
+            <a:r>
+              <a:rPr lang="en-US" dirty="0"/>
+              <a:t>many sequence labelling tasks it is </a:t>
+            </a:r>
+            <a:r>
+              <a:rPr lang="en-US" dirty="0" smtClean="0"/>
+              <a:t>beneficial </a:t>
+            </a:r>
+            <a:r>
+              <a:rPr lang="en-US" dirty="0"/>
+              <a:t>to have access to future as </a:t>
+            </a:r>
+            <a:r>
+              <a:rPr lang="en-US" dirty="0" smtClean="0"/>
+              <a:t>well as </a:t>
+            </a:r>
+            <a:r>
+              <a:rPr lang="en-US" dirty="0"/>
+              <a:t>past </a:t>
+            </a:r>
+            <a:r>
+              <a:rPr lang="en-US" dirty="0" smtClean="0"/>
+              <a:t>context.</a:t>
+            </a:r>
+          </a:p>
+          <a:p>
+            <a:pPr lvl="1"/>
+            <a:r>
+              <a:rPr lang="en-US" dirty="0"/>
+              <a:t>Most obviously, if the input sequences </a:t>
+            </a:r>
+            <a:r>
+              <a:rPr lang="en-US" dirty="0" smtClean="0"/>
+              <a:t>are spatial </a:t>
+            </a:r>
+            <a:r>
+              <a:rPr lang="en-US" dirty="0"/>
+              <a:t>and not </a:t>
+            </a:r>
+            <a:r>
+              <a:rPr lang="en-US" dirty="0" smtClean="0"/>
+              <a:t>temporal (protein structure prediction)</a:t>
+            </a:r>
+          </a:p>
+          <a:p>
+            <a:pPr lvl="1"/>
+            <a:r>
+              <a:rPr lang="en-US" dirty="0" smtClean="0"/>
+              <a:t>temporal </a:t>
+            </a:r>
+            <a:r>
+              <a:rPr lang="en-US" dirty="0"/>
+              <a:t>tasks, as </a:t>
+            </a:r>
+            <a:r>
+              <a:rPr lang="en-US" dirty="0" smtClean="0"/>
+              <a:t>long as </a:t>
+            </a:r>
+            <a:r>
+              <a:rPr lang="en-US" dirty="0"/>
+              <a:t>the network outputs are only needed at the end of some input </a:t>
+            </a:r>
+            <a:r>
+              <a:rPr lang="en-US" dirty="0" smtClean="0"/>
+              <a:t>segment (handwriting </a:t>
+            </a:r>
+            <a:r>
+              <a:rPr lang="en-US" dirty="0"/>
+              <a:t>&amp;</a:t>
+            </a:r>
+            <a:r>
+              <a:rPr lang="en-US" dirty="0" smtClean="0"/>
+              <a:t> speech recognition)</a:t>
+            </a:r>
+          </a:p>
+          <a:p>
+            <a:pPr marL="693720" lvl="1" indent="-342900"/>
+            <a:r>
+              <a:rPr lang="en-US" dirty="0" smtClean="0"/>
+              <a:t>Workaround: fixed </a:t>
+            </a:r>
+            <a:r>
+              <a:rPr lang="en-US" i="1" dirty="0" smtClean="0"/>
+              <a:t>n </a:t>
+            </a:r>
+            <a:r>
+              <a:rPr lang="en-US" dirty="0" smtClean="0"/>
+              <a:t>look–ahead window to input.</a:t>
+            </a:r>
+          </a:p>
+          <a:p>
+            <a:pPr marL="0" indent="0">
+              <a:buNone/>
+            </a:pPr>
+            <a:endParaRPr lang="en-US" dirty="0" smtClean="0"/>
+          </a:p>
+          <a:p>
+            <a:pPr marL="0" indent="0">
+              <a:buNone/>
+            </a:pPr>
+            <a:r>
+              <a:rPr lang="en-US" dirty="0" smtClean="0"/>
+              <a:t>Bidirectional RNN - more generic idea:</a:t>
+            </a:r>
+          </a:p>
+          <a:p>
+            <a:pPr marL="693720" lvl="1" indent="-342900"/>
+            <a:r>
+              <a:rPr lang="en-US" dirty="0" smtClean="0"/>
+              <a:t>present </a:t>
+            </a:r>
+            <a:r>
+              <a:rPr lang="en-US" dirty="0"/>
+              <a:t>each training sequence forwards and backwards to </a:t>
+            </a:r>
+            <a:r>
+              <a:rPr lang="en-US" dirty="0" smtClean="0"/>
+              <a:t>two separate </a:t>
+            </a:r>
+            <a:r>
+              <a:rPr lang="en-US" dirty="0"/>
+              <a:t>recurrent hidden layers, both of which are connected to the same </a:t>
+            </a:r>
+            <a:r>
+              <a:rPr lang="en-US" dirty="0" smtClean="0"/>
+              <a:t>output layer. </a:t>
+            </a:r>
+          </a:p>
+          <a:p>
+            <a:pPr marL="0" indent="0">
+              <a:buNone/>
+            </a:pPr>
+            <a:endParaRPr lang="en-US" dirty="0" smtClean="0"/>
+          </a:p>
+        </p:txBody>
+      </p:sp>
+      <p:sp>
+        <p:nvSpPr>
+          <p:cNvPr id="3" name="Title 2"/>
+          <p:cNvSpPr>
+            <a:spLocks noGrp="1"/>
+          </p:cNvSpPr>
+          <p:nvPr>
+            <p:ph type="title"/>
+          </p:nvPr>
+        </p:nvSpPr>
+        <p:spPr/>
+        <p:txBody>
+          <a:bodyPr/>
+          <a:lstStyle/>
+          <a:p>
+            <a:r>
+              <a:rPr lang="en-US" dirty="0" smtClean="0"/>
+              <a:t>Bidirectional RNN</a:t>
+            </a:r>
+            <a:endParaRPr lang="en-US" dirty="0"/>
+          </a:p>
+        </p:txBody>
+      </p:sp>
+    </p:spTree>
+    <p:extLst>
+      <p:ext uri="{BB962C8B-B14F-4D97-AF65-F5344CB8AC3E}">
+        <p14:creationId xmlns:p14="http://schemas.microsoft.com/office/powerpoint/2010/main" val="3926323525"/>
+      </p:ext>
+    </p:extLst>
+  </p:cSld>
+  <p:clrMapOvr>
+    <a:masterClrMapping/>
+  </p:clrMapOvr>
+  <p:transition>
+    <p:fade/>
+  </p:transition>
+  <p:timing>
+    <p:tnLst>
+      <p:par>
+        <p:cTn id="1" dur="indefinite" restart="never" nodeType="tmRoot"/>
+      </p:par>
+    </p:tnLst>
+  </p:timing>
+</p:sld>
+</file>
+
+<file path=ppt/slides/slide21.xml><?xml version="1.0" encoding="utf-8"?>
+<p:sld xmlns:a="http://schemas.openxmlformats.org/drawingml/2006/main" xmlns:r="http://schemas.openxmlformats.org/officeDocument/2006/relationships" xmlns:p="http://schemas.openxmlformats.org/presentationml/2006/main">
+  <p:cSld>
+    <p:spTree>
+      <p:nvGrpSpPr>
+        <p:cNvPr id="1" name=""/>
+        <p:cNvGrpSpPr/>
+        <p:nvPr/>
+      </p:nvGrpSpPr>
+      <p:grpSpPr>
+        <a:xfrm>
+          <a:off x="0" y="0"/>
+          <a:ext cx="0" cy="0"/>
+          <a:chOff x="0" y="0"/>
+          <a:chExt cx="0" cy="0"/>
+        </a:xfrm>
+      </p:grpSpPr>
+      <p:sp>
+        <p:nvSpPr>
+          <p:cNvPr id="2" name="Content Placeholder 1"/>
+          <p:cNvSpPr>
+            <a:spLocks noGrp="1"/>
+          </p:cNvSpPr>
+          <p:nvPr>
+            <p:ph idx="1"/>
+          </p:nvPr>
+        </p:nvSpPr>
+        <p:spPr>
+          <a:xfrm>
+            <a:off x="455614" y="1201739"/>
+            <a:ext cx="8237537" cy="2227261"/>
+          </a:xfrm>
+        </p:spPr>
+        <p:txBody>
+          <a:bodyPr/>
+          <a:lstStyle/>
+          <a:p>
+            <a:pPr marL="0" indent="0">
+              <a:buNone/>
+            </a:pPr>
+            <a:r>
+              <a:rPr lang="en-US" dirty="0" smtClean="0"/>
+              <a:t>RNN forward and backward propagation has </a:t>
+            </a:r>
+            <a:r>
+              <a:rPr lang="en-US" i="1" dirty="0" smtClean="0"/>
+              <a:t>short memory</a:t>
+            </a:r>
+            <a:r>
+              <a:rPr lang="en-US" dirty="0" smtClean="0"/>
+              <a:t>:</a:t>
+            </a:r>
+          </a:p>
+          <a:p>
+            <a:pPr lvl="1"/>
+            <a:r>
+              <a:rPr lang="en-US" dirty="0"/>
+              <a:t>the </a:t>
+            </a:r>
+            <a:r>
+              <a:rPr lang="en-US" dirty="0" smtClean="0"/>
+              <a:t>influence </a:t>
+            </a:r>
+            <a:r>
+              <a:rPr lang="en-US" dirty="0"/>
+              <a:t>of a given input on the hidden layer, and </a:t>
+            </a:r>
+            <a:r>
+              <a:rPr lang="en-US" dirty="0" smtClean="0"/>
+              <a:t>therefore on </a:t>
+            </a:r>
+            <a:r>
+              <a:rPr lang="en-US" dirty="0"/>
+              <a:t>the network output, either decays or blows up exponentially</a:t>
+            </a:r>
+            <a:endParaRPr lang="en-US" dirty="0" smtClean="0"/>
+          </a:p>
+          <a:p>
+            <a:pPr lvl="1"/>
+            <a:r>
+              <a:rPr lang="en-US" dirty="0" smtClean="0"/>
+              <a:t>The same with </a:t>
+            </a:r>
+            <a:r>
+              <a:rPr lang="en-US" dirty="0"/>
+              <a:t>g</a:t>
+            </a:r>
+            <a:r>
+              <a:rPr lang="en-US" dirty="0" smtClean="0"/>
+              <a:t>radient propagation</a:t>
+            </a:r>
+            <a:endParaRPr lang="en-US" dirty="0"/>
+          </a:p>
+        </p:txBody>
+      </p:sp>
+      <p:sp>
+        <p:nvSpPr>
+          <p:cNvPr id="3" name="Title 2"/>
+          <p:cNvSpPr>
+            <a:spLocks noGrp="1"/>
+          </p:cNvSpPr>
+          <p:nvPr>
+            <p:ph type="title"/>
+          </p:nvPr>
+        </p:nvSpPr>
+        <p:spPr/>
+        <p:txBody>
+          <a:bodyPr/>
+          <a:lstStyle/>
+          <a:p>
+            <a:r>
+              <a:rPr lang="en-US" dirty="0" smtClean="0"/>
+              <a:t>RNN: </a:t>
+            </a:r>
+            <a:r>
+              <a:rPr lang="en-US" dirty="0"/>
+              <a:t>vanishing gradient problem</a:t>
+            </a:r>
+          </a:p>
+        </p:txBody>
+      </p:sp>
+      <p:pic>
+        <p:nvPicPr>
+          <p:cNvPr id="10242" name="Picture 2"/>
+          <p:cNvPicPr>
+            <a:picLocks noChangeAspect="1" noChangeArrowheads="1"/>
+          </p:cNvPicPr>
+          <p:nvPr/>
+        </p:nvPicPr>
+        <p:blipFill>
+          <a:blip r:embed="rId2">
+            <a:extLst>
+              <a:ext uri="{28A0092B-C50C-407E-A947-70E740481C1C}">
+                <a14:useLocalDpi xmlns:a14="http://schemas.microsoft.com/office/drawing/2010/main" val="0"/>
+              </a:ext>
+            </a:extLst>
+          </a:blip>
+          <a:srcRect/>
+          <a:stretch>
+            <a:fillRect/>
+          </a:stretch>
+        </p:blipFill>
+        <p:spPr bwMode="auto">
+          <a:xfrm>
+            <a:off x="2133600" y="3429000"/>
+            <a:ext cx="5257800" cy="2853970"/>
+          </a:xfrm>
+          <a:prstGeom prst="rect">
+            <a:avLst/>
+          </a:prstGeom>
+          <a:noFill/>
+          <a:ln>
+            <a:noFill/>
+          </a:ln>
+          <a:effectLst/>
+          <a:extLst>
+            <a:ext uri="{909E8E84-426E-40DD-AFC4-6F175D3DCCD1}">
+              <a14:hiddenFill xmlns:a14="http://schemas.microsoft.com/office/drawing/2010/main">
+                <a:solidFill>
+                  <a:schemeClr val="accent1"/>
+                </a:solidFill>
+              </a14:hiddenFill>
+            </a:ext>
+            <a:ext uri="{91240B29-F687-4F45-9708-019B960494DF}">
+              <a14:hiddenLine xmlns:a14="http://schemas.microsoft.com/office/drawing/2010/main" w="9525">
+                <a:solidFill>
+                  <a:schemeClr val="tx1"/>
+                </a:solidFill>
+                <a:miter lim="800000"/>
+                <a:headEnd/>
+                <a:tailEnd/>
+              </a14:hiddenLine>
+            </a:ext>
+            <a:ext uri="{AF507438-7753-43E0-B8FC-AC1667EBCBE1}">
+              <a14:hiddenEffects xmlns:a14="http://schemas.microsoft.com/office/drawing/2010/main">
+                <a:effectLst>
+                  <a:outerShdw dist="35921" dir="2700000" algn="ctr" rotWithShape="0">
+                    <a:schemeClr val="bg2"/>
+                  </a:outerShdw>
+                </a:effectLst>
+              </a14:hiddenEffects>
+            </a:ext>
+          </a:extLst>
+        </p:spPr>
+      </p:pic>
+    </p:spTree>
+    <p:extLst>
+      <p:ext uri="{BB962C8B-B14F-4D97-AF65-F5344CB8AC3E}">
+        <p14:creationId xmlns:p14="http://schemas.microsoft.com/office/powerpoint/2010/main" val="3430759269"/>
+      </p:ext>
+    </p:extLst>
+  </p:cSld>
+  <p:clrMapOvr>
+    <a:masterClrMapping/>
+  </p:clrMapOvr>
+  <p:transition>
+    <p:fade/>
+  </p:transition>
+  <p:timing>
+    <p:tnLst>
+      <p:par>
+        <p:cTn id="1" dur="indefinite" restart="never" nodeType="tmRoot"/>
+      </p:par>
+    </p:tnLst>
+  </p:timing>
+</p:sld>
+</file>
+
+<file path=ppt/slides/slide22.xml><?xml version="1.0" encoding="utf-8"?>
 <p:sld xmlns:a="http://schemas.openxmlformats.org/drawingml/2006/main" xmlns:r="http://schemas.openxmlformats.org/officeDocument/2006/relationships" xmlns:p="http://schemas.openxmlformats.org/presentationml/2006/main">
   <p:cSld>
     <p:spTree>
@@ -14522,7 +15305,7 @@
 </p:sld>
 </file>
 
-<file path=ppt/slides/slide21.xml><?xml version="1.0" encoding="utf-8"?>
+<file path=ppt/slides/slide23.xml><?xml version="1.0" encoding="utf-8"?>
 <p:sld xmlns:a="http://schemas.openxmlformats.org/drawingml/2006/main" xmlns:r="http://schemas.openxmlformats.org/officeDocument/2006/relationships" xmlns:p="http://schemas.openxmlformats.org/presentationml/2006/main">
   <p:cSld>
     <p:spTree>
@@ -14708,7 +15491,7 @@
 </p:sld>
 </file>
 
-<file path=ppt/slides/slide22.xml><?xml version="1.0" encoding="utf-8"?>
+<file path=ppt/slides/slide24.xml><?xml version="1.0" encoding="utf-8"?>
 <p:sld xmlns:a="http://schemas.openxmlformats.org/drawingml/2006/main" xmlns:r="http://schemas.openxmlformats.org/officeDocument/2006/relationships" xmlns:p="http://schemas.openxmlformats.org/presentationml/2006/main">
   <p:cSld>
     <p:spTree>
@@ -14784,7 +15567,7 @@
 </p:sld>
 </file>
 
-<file path=ppt/slides/slide23.xml><?xml version="1.0" encoding="utf-8"?>
+<file path=ppt/slides/slide25.xml><?xml version="1.0" encoding="utf-8"?>
 <p:sld xmlns:a="http://schemas.openxmlformats.org/drawingml/2006/main" xmlns:r="http://schemas.openxmlformats.org/officeDocument/2006/relationships" xmlns:p="http://schemas.openxmlformats.org/presentationml/2006/main">
   <p:cSld>
     <p:spTree>
@@ -14814,7 +15597,7 @@
         <p:spPr>
           <a:xfrm>
             <a:off x="455614" y="1201739"/>
-            <a:ext cx="8237537" cy="1312861"/>
+            <a:ext cx="8237537" cy="779461"/>
           </a:xfrm>
         </p:spPr>
         <p:txBody>
@@ -14846,30 +15629,13 @@
             </a:r>
             <a:r>
               <a:rPr lang="en-US" i="1" dirty="0" smtClean="0"/>
-              <a:t>Schmidhuber,1997.</a:t>
-            </a:r>
-          </a:p>
-          <a:p>
-            <a:pPr marL="0" indent="0">
-              <a:buNone/>
-            </a:pPr>
-            <a:r>
-              <a:rPr lang="en-US" dirty="0" smtClean="0"/>
-              <a:t>A new </a:t>
-            </a:r>
-            <a:r>
-              <a:rPr lang="en-US" dirty="0"/>
-              <a:t>basic element </a:t>
+              <a:t>Schmidhuber,1997</a:t>
             </a:r>
             <a:r>
               <a:rPr lang="en-US" i="1" dirty="0" smtClean="0"/>
-              <a:t>memory </a:t>
-            </a:r>
-            <a:r>
-              <a:rPr lang="en-US" i="1" dirty="0"/>
-              <a:t>cells </a:t>
-            </a:r>
-            <a:endParaRPr lang="en-US" dirty="0"/>
+              <a:t>.</a:t>
+            </a:r>
+            <a:endParaRPr lang="en-US" i="1" dirty="0" smtClean="0"/>
           </a:p>
         </p:txBody>
       </p:sp>
@@ -14895,240 +15661,345 @@
           </a:p>
         </p:txBody>
       </p:sp>
-      <p:sp>
-        <p:nvSpPr>
-          <p:cNvPr id="4" name="Content Placeholder 1"/>
-          <p:cNvSpPr txBox="1">
-            <a:spLocks/>
-          </p:cNvSpPr>
-          <p:nvPr/>
-        </p:nvSpPr>
-        <p:spPr bwMode="auto">
-          <a:xfrm>
-            <a:off x="684214" y="2763976"/>
-            <a:ext cx="4649786" cy="3370261"/>
-          </a:xfrm>
-          <a:prstGeom prst="rect">
-            <a:avLst/>
-          </a:prstGeom>
-          <a:noFill/>
-          <a:ln w="9525">
-            <a:noFill/>
-            <a:miter lim="800000"/>
-            <a:headEnd/>
-            <a:tailEnd/>
-          </a:ln>
-        </p:spPr>
-        <p:txBody>
-          <a:bodyPr vert="horz" wrap="square" lIns="0" tIns="0" rIns="0" bIns="0" numCol="1" anchor="t" anchorCtr="0" compatLnSpc="1">
-            <a:prstTxWarp prst="textNoShape">
-              <a:avLst/>
-            </a:prstTxWarp>
-          </a:bodyPr>
-          <a:lstStyle>
-            <a:lvl1pPr marL="225414" indent="-225414" algn="l" rtl="0" eaLnBrk="0" fontAlgn="base" hangingPunct="0">
-              <a:spcBef>
-                <a:spcPct val="20000"/>
-              </a:spcBef>
-              <a:spcAft>
-                <a:spcPct val="0"/>
-              </a:spcAft>
-              <a:buChar char="•"/>
-              <a:defRPr sz="2400">
-                <a:solidFill>
-                  <a:schemeClr val="tx1"/>
-                </a:solidFill>
-                <a:latin typeface="+mn-lt"/>
-                <a:ea typeface="+mn-ea"/>
-                <a:cs typeface="+mn-cs"/>
-              </a:defRPr>
-            </a:lvl1pPr>
-            <a:lvl2pPr marL="576234" indent="-236527" algn="l" rtl="0" eaLnBrk="0" fontAlgn="base" hangingPunct="0">
-              <a:spcBef>
-                <a:spcPct val="20000"/>
-              </a:spcBef>
-              <a:spcAft>
-                <a:spcPct val="0"/>
-              </a:spcAft>
-              <a:buFont typeface="Verdana" pitchFamily="34" charset="0"/>
-              <a:buChar char="–"/>
-              <a:defRPr sz="2000">
-                <a:solidFill>
-                  <a:schemeClr val="tx1"/>
-                </a:solidFill>
-                <a:latin typeface="+mn-lt"/>
-              </a:defRPr>
-            </a:lvl2pPr>
-            <a:lvl3pPr marL="914354" indent="-223827" algn="l" rtl="0" eaLnBrk="0" fontAlgn="base" hangingPunct="0">
-              <a:spcBef>
-                <a:spcPct val="20000"/>
-              </a:spcBef>
-              <a:spcAft>
-                <a:spcPct val="0"/>
-              </a:spcAft>
-              <a:buFont typeface="Verdana" pitchFamily="34" charset="0"/>
-              <a:buChar char="–"/>
-              <a:defRPr>
-                <a:solidFill>
-                  <a:schemeClr val="tx1"/>
-                </a:solidFill>
-                <a:latin typeface="+mn-lt"/>
-              </a:defRPr>
-            </a:lvl3pPr>
-            <a:lvl4pPr marL="1265174" indent="-236527" algn="l" rtl="0" eaLnBrk="0" fontAlgn="base" hangingPunct="0">
-              <a:spcBef>
-                <a:spcPct val="20000"/>
-              </a:spcBef>
-              <a:spcAft>
-                <a:spcPct val="0"/>
-              </a:spcAft>
-              <a:buFont typeface="Verdana" pitchFamily="34" charset="0"/>
-              <a:buChar char="–"/>
-              <a:defRPr sz="1600">
-                <a:solidFill>
-                  <a:schemeClr val="tx1"/>
-                </a:solidFill>
-                <a:latin typeface="+mn-lt"/>
-              </a:defRPr>
-            </a:lvl4pPr>
-            <a:lvl5pPr marL="1660442" indent="-234938" algn="l" rtl="0" eaLnBrk="0" fontAlgn="base" hangingPunct="0">
-              <a:spcBef>
-                <a:spcPct val="20000"/>
-              </a:spcBef>
-              <a:spcAft>
-                <a:spcPct val="0"/>
-              </a:spcAft>
-              <a:buFont typeface="Verdana" pitchFamily="34" charset="0"/>
-              <a:buChar char="–"/>
-              <a:defRPr sz="1400">
-                <a:solidFill>
-                  <a:schemeClr val="tx1"/>
-                </a:solidFill>
-                <a:latin typeface="+mn-lt"/>
-              </a:defRPr>
-            </a:lvl5pPr>
-            <a:lvl6pPr marL="2117619" indent="-234938" algn="l" rtl="0" fontAlgn="base">
-              <a:spcBef>
-                <a:spcPct val="20000"/>
-              </a:spcBef>
-              <a:spcAft>
-                <a:spcPct val="0"/>
-              </a:spcAft>
-              <a:buFont typeface="Verdana" pitchFamily="34" charset="0"/>
-              <a:buChar char="–"/>
-              <a:defRPr sz="1400">
-                <a:solidFill>
-                  <a:schemeClr val="tx1"/>
-                </a:solidFill>
-                <a:latin typeface="+mn-lt"/>
-              </a:defRPr>
-            </a:lvl6pPr>
-            <a:lvl7pPr marL="2574796" indent="-234938" algn="l" rtl="0" fontAlgn="base">
-              <a:spcBef>
-                <a:spcPct val="20000"/>
-              </a:spcBef>
-              <a:spcAft>
-                <a:spcPct val="0"/>
-              </a:spcAft>
-              <a:buFont typeface="Verdana" pitchFamily="34" charset="0"/>
-              <a:buChar char="–"/>
-              <a:defRPr sz="1400">
-                <a:solidFill>
-                  <a:schemeClr val="tx1"/>
-                </a:solidFill>
-                <a:latin typeface="+mn-lt"/>
-              </a:defRPr>
-            </a:lvl7pPr>
-            <a:lvl8pPr marL="3031974" indent="-234938" algn="l" rtl="0" fontAlgn="base">
-              <a:spcBef>
-                <a:spcPct val="20000"/>
-              </a:spcBef>
-              <a:spcAft>
-                <a:spcPct val="0"/>
-              </a:spcAft>
-              <a:buFont typeface="Verdana" pitchFamily="34" charset="0"/>
-              <a:buChar char="–"/>
-              <a:defRPr sz="1400">
-                <a:solidFill>
-                  <a:schemeClr val="tx1"/>
-                </a:solidFill>
-                <a:latin typeface="+mn-lt"/>
-              </a:defRPr>
-            </a:lvl8pPr>
-            <a:lvl9pPr marL="3489151" indent="-234938" algn="l" rtl="0" fontAlgn="base">
-              <a:spcBef>
-                <a:spcPct val="20000"/>
-              </a:spcBef>
-              <a:spcAft>
-                <a:spcPct val="0"/>
-              </a:spcAft>
-              <a:buFont typeface="Verdana" pitchFamily="34" charset="0"/>
-              <a:buChar char="–"/>
-              <a:defRPr sz="1400">
-                <a:solidFill>
-                  <a:schemeClr val="tx1"/>
-                </a:solidFill>
-                <a:latin typeface="+mn-lt"/>
-              </a:defRPr>
-            </a:lvl9pPr>
-          </a:lstStyle>
-          <a:p>
-            <a:pPr marL="0" indent="0" defTabSz="914400">
-              <a:buFontTx/>
-              <a:buNone/>
-            </a:pPr>
-            <a:r>
-              <a:rPr lang="en-US" kern="0" dirty="0" smtClean="0"/>
-              <a:t>The input and output gates multiply the input and output of the cell </a:t>
-            </a:r>
-          </a:p>
-          <a:p>
-            <a:pPr lvl="1" defTabSz="914400"/>
-            <a:r>
-              <a:rPr lang="en-US" i="1" kern="0" dirty="0" smtClean="0"/>
-              <a:t>f </a:t>
-            </a:r>
-            <a:r>
-              <a:rPr lang="en-US" kern="0" dirty="0" smtClean="0"/>
-              <a:t>is logistic sigmoid: </a:t>
-            </a:r>
-            <a:r>
-              <a:rPr lang="en-US" kern="0" dirty="0" smtClean="0">
-                <a:sym typeface="Wingdings" panose="05000000000000000000" pitchFamily="2" charset="2"/>
-              </a:rPr>
-              <a:t>0 = gate </a:t>
-            </a:r>
-            <a:r>
-              <a:rPr lang="en-US" kern="0" dirty="0" smtClean="0"/>
-              <a:t>closed, 1 = gate open </a:t>
-            </a:r>
-          </a:p>
-          <a:p>
-            <a:pPr marL="0" indent="0" defTabSz="914400">
-              <a:buFontTx/>
-              <a:buNone/>
-            </a:pPr>
-            <a:r>
-              <a:rPr lang="en-US" kern="0" dirty="0" smtClean="0"/>
-              <a:t>Forget gate multiplies the cell's previous state </a:t>
-            </a:r>
-          </a:p>
-          <a:p>
-            <a:pPr lvl="1" defTabSz="914400"/>
-            <a:r>
-              <a:rPr lang="en-US" kern="0" dirty="0" smtClean="0"/>
-              <a:t>works as “reset”</a:t>
-            </a:r>
-          </a:p>
-          <a:p>
-            <a:pPr marL="0" indent="0" defTabSz="914400">
-              <a:buFontTx/>
-              <a:buNone/>
-            </a:pPr>
-            <a:endParaRPr lang="en-US" kern="0" dirty="0"/>
-          </a:p>
-        </p:txBody>
-      </p:sp>
+      <mc:AlternateContent xmlns:mc="http://schemas.openxmlformats.org/markup-compatibility/2006">
+        <mc:Choice xmlns:a14="http://schemas.microsoft.com/office/drawing/2010/main" Requires="a14">
+          <p:sp>
+            <p:nvSpPr>
+              <p:cNvPr id="4" name="Content Placeholder 1"/>
+              <p:cNvSpPr txBox="1">
+                <a:spLocks/>
+              </p:cNvSpPr>
+              <p:nvPr/>
+            </p:nvSpPr>
+            <p:spPr bwMode="auto">
+              <a:xfrm>
+                <a:off x="455614" y="2209800"/>
+                <a:ext cx="5259386" cy="3370261"/>
+              </a:xfrm>
+              <a:prstGeom prst="rect">
+                <a:avLst/>
+              </a:prstGeom>
+              <a:noFill/>
+              <a:ln w="9525">
+                <a:noFill/>
+                <a:miter lim="800000"/>
+                <a:headEnd/>
+                <a:tailEnd/>
+              </a:ln>
+            </p:spPr>
+            <p:txBody>
+              <a:bodyPr vert="horz" wrap="square" lIns="0" tIns="0" rIns="0" bIns="0" numCol="1" anchor="t" anchorCtr="0" compatLnSpc="1">
+                <a:prstTxWarp prst="textNoShape">
+                  <a:avLst/>
+                </a:prstTxWarp>
+              </a:bodyPr>
+              <a:lstStyle>
+                <a:lvl1pPr marL="225414" indent="-225414" algn="l" rtl="0" eaLnBrk="0" fontAlgn="base" hangingPunct="0">
+                  <a:spcBef>
+                    <a:spcPct val="20000"/>
+                  </a:spcBef>
+                  <a:spcAft>
+                    <a:spcPct val="0"/>
+                  </a:spcAft>
+                  <a:buChar char="•"/>
+                  <a:defRPr sz="2400">
+                    <a:solidFill>
+                      <a:schemeClr val="tx1"/>
+                    </a:solidFill>
+                    <a:latin typeface="+mn-lt"/>
+                    <a:ea typeface="+mn-ea"/>
+                    <a:cs typeface="+mn-cs"/>
+                  </a:defRPr>
+                </a:lvl1pPr>
+                <a:lvl2pPr marL="576234" indent="-236527" algn="l" rtl="0" eaLnBrk="0" fontAlgn="base" hangingPunct="0">
+                  <a:spcBef>
+                    <a:spcPct val="20000"/>
+                  </a:spcBef>
+                  <a:spcAft>
+                    <a:spcPct val="0"/>
+                  </a:spcAft>
+                  <a:buFont typeface="Verdana" pitchFamily="34" charset="0"/>
+                  <a:buChar char="–"/>
+                  <a:defRPr sz="2000">
+                    <a:solidFill>
+                      <a:schemeClr val="tx1"/>
+                    </a:solidFill>
+                    <a:latin typeface="+mn-lt"/>
+                  </a:defRPr>
+                </a:lvl2pPr>
+                <a:lvl3pPr marL="914354" indent="-223827" algn="l" rtl="0" eaLnBrk="0" fontAlgn="base" hangingPunct="0">
+                  <a:spcBef>
+                    <a:spcPct val="20000"/>
+                  </a:spcBef>
+                  <a:spcAft>
+                    <a:spcPct val="0"/>
+                  </a:spcAft>
+                  <a:buFont typeface="Verdana" pitchFamily="34" charset="0"/>
+                  <a:buChar char="–"/>
+                  <a:defRPr>
+                    <a:solidFill>
+                      <a:schemeClr val="tx1"/>
+                    </a:solidFill>
+                    <a:latin typeface="+mn-lt"/>
+                  </a:defRPr>
+                </a:lvl3pPr>
+                <a:lvl4pPr marL="1265174" indent="-236527" algn="l" rtl="0" eaLnBrk="0" fontAlgn="base" hangingPunct="0">
+                  <a:spcBef>
+                    <a:spcPct val="20000"/>
+                  </a:spcBef>
+                  <a:spcAft>
+                    <a:spcPct val="0"/>
+                  </a:spcAft>
+                  <a:buFont typeface="Verdana" pitchFamily="34" charset="0"/>
+                  <a:buChar char="–"/>
+                  <a:defRPr sz="1600">
+                    <a:solidFill>
+                      <a:schemeClr val="tx1"/>
+                    </a:solidFill>
+                    <a:latin typeface="+mn-lt"/>
+                  </a:defRPr>
+                </a:lvl4pPr>
+                <a:lvl5pPr marL="1660442" indent="-234938" algn="l" rtl="0" eaLnBrk="0" fontAlgn="base" hangingPunct="0">
+                  <a:spcBef>
+                    <a:spcPct val="20000"/>
+                  </a:spcBef>
+                  <a:spcAft>
+                    <a:spcPct val="0"/>
+                  </a:spcAft>
+                  <a:buFont typeface="Verdana" pitchFamily="34" charset="0"/>
+                  <a:buChar char="–"/>
+                  <a:defRPr sz="1400">
+                    <a:solidFill>
+                      <a:schemeClr val="tx1"/>
+                    </a:solidFill>
+                    <a:latin typeface="+mn-lt"/>
+                  </a:defRPr>
+                </a:lvl5pPr>
+                <a:lvl6pPr marL="2117619" indent="-234938" algn="l" rtl="0" fontAlgn="base">
+                  <a:spcBef>
+                    <a:spcPct val="20000"/>
+                  </a:spcBef>
+                  <a:spcAft>
+                    <a:spcPct val="0"/>
+                  </a:spcAft>
+                  <a:buFont typeface="Verdana" pitchFamily="34" charset="0"/>
+                  <a:buChar char="–"/>
+                  <a:defRPr sz="1400">
+                    <a:solidFill>
+                      <a:schemeClr val="tx1"/>
+                    </a:solidFill>
+                    <a:latin typeface="+mn-lt"/>
+                  </a:defRPr>
+                </a:lvl6pPr>
+                <a:lvl7pPr marL="2574796" indent="-234938" algn="l" rtl="0" fontAlgn="base">
+                  <a:spcBef>
+                    <a:spcPct val="20000"/>
+                  </a:spcBef>
+                  <a:spcAft>
+                    <a:spcPct val="0"/>
+                  </a:spcAft>
+                  <a:buFont typeface="Verdana" pitchFamily="34" charset="0"/>
+                  <a:buChar char="–"/>
+                  <a:defRPr sz="1400">
+                    <a:solidFill>
+                      <a:schemeClr val="tx1"/>
+                    </a:solidFill>
+                    <a:latin typeface="+mn-lt"/>
+                  </a:defRPr>
+                </a:lvl7pPr>
+                <a:lvl8pPr marL="3031974" indent="-234938" algn="l" rtl="0" fontAlgn="base">
+                  <a:spcBef>
+                    <a:spcPct val="20000"/>
+                  </a:spcBef>
+                  <a:spcAft>
+                    <a:spcPct val="0"/>
+                  </a:spcAft>
+                  <a:buFont typeface="Verdana" pitchFamily="34" charset="0"/>
+                  <a:buChar char="–"/>
+                  <a:defRPr sz="1400">
+                    <a:solidFill>
+                      <a:schemeClr val="tx1"/>
+                    </a:solidFill>
+                    <a:latin typeface="+mn-lt"/>
+                  </a:defRPr>
+                </a:lvl8pPr>
+                <a:lvl9pPr marL="3489151" indent="-234938" algn="l" rtl="0" fontAlgn="base">
+                  <a:spcBef>
+                    <a:spcPct val="20000"/>
+                  </a:spcBef>
+                  <a:spcAft>
+                    <a:spcPct val="0"/>
+                  </a:spcAft>
+                  <a:buFont typeface="Verdana" pitchFamily="34" charset="0"/>
+                  <a:buChar char="–"/>
+                  <a:defRPr sz="1400">
+                    <a:solidFill>
+                      <a:schemeClr val="tx1"/>
+                    </a:solidFill>
+                    <a:latin typeface="+mn-lt"/>
+                  </a:defRPr>
+                </a:lvl9pPr>
+              </a:lstStyle>
+              <a:p>
+                <a:pPr defTabSz="914400"/>
+                <a:r>
+                  <a:rPr lang="en-US" kern="0" dirty="0" smtClean="0"/>
+                  <a:t>The gates control the information flow</a:t>
+                </a:r>
+              </a:p>
+              <a:p>
+                <a:pPr lvl="1" defTabSz="914400"/>
+                <a:r>
+                  <a:rPr lang="en-US" i="1" kern="0" dirty="0" smtClean="0"/>
+                  <a:t>Sigmoid activation function </a:t>
+                </a:r>
+                <a14:m>
+                  <m:oMath xmlns:m="http://schemas.openxmlformats.org/officeDocument/2006/math">
+                    <m:r>
+                      <a:rPr lang="en-US" b="0" i="1" kern="0" smtClean="0">
+                        <a:latin typeface="Cambria Math" panose="02040503050406030204" pitchFamily="18" charset="0"/>
+                      </a:rPr>
+                      <m:t>∈[</m:t>
+                    </m:r>
+                    <m:r>
+                      <a:rPr lang="en-US" b="0" i="1" kern="0" smtClean="0">
+                        <a:latin typeface="Cambria Math" panose="02040503050406030204" pitchFamily="18" charset="0"/>
+                      </a:rPr>
+                      <m:t>0</m:t>
+                    </m:r>
+                    <m:r>
+                      <a:rPr lang="en-US" b="0" i="1" kern="0" smtClean="0">
+                        <a:latin typeface="Cambria Math" panose="02040503050406030204" pitchFamily="18" charset="0"/>
+                      </a:rPr>
+                      <m:t>,</m:t>
+                    </m:r>
+                    <m:r>
+                      <a:rPr lang="en-US" b="0" i="1" kern="0" smtClean="0">
+                        <a:latin typeface="Cambria Math" panose="02040503050406030204" pitchFamily="18" charset="0"/>
+                      </a:rPr>
+                      <m:t>1</m:t>
+                    </m:r>
+                    <m:r>
+                      <a:rPr lang="en-US" b="0" i="1" kern="0" smtClean="0">
+                        <a:latin typeface="Cambria Math" panose="02040503050406030204" pitchFamily="18" charset="0"/>
+                      </a:rPr>
+                      <m:t>]</m:t>
+                    </m:r>
+                  </m:oMath>
+                </a14:m>
+                <a:endParaRPr lang="en-US" kern="0" dirty="0" smtClean="0"/>
+              </a:p>
+              <a:p>
+                <a:pPr defTabSz="914400"/>
+                <a:endParaRPr lang="en-US" kern="0" dirty="0" smtClean="0"/>
+              </a:p>
+              <a:p>
+                <a:pPr defTabSz="914400"/>
+                <a:r>
+                  <a:rPr lang="en-US" b="1" kern="0" dirty="0" smtClean="0"/>
+                  <a:t>Input gate - </a:t>
+                </a:r>
+                <a:r>
+                  <a:rPr lang="en-US" kern="0" dirty="0" smtClean="0"/>
+                  <a:t>scales input to cell</a:t>
+                </a:r>
+              </a:p>
+              <a:p>
+                <a:pPr defTabSz="914400"/>
+                <a:r>
+                  <a:rPr lang="en-US" b="1" kern="0" dirty="0" smtClean="0"/>
+                  <a:t>Output gate - </a:t>
+                </a:r>
+                <a:r>
+                  <a:rPr lang="en-US" kern="0" dirty="0" smtClean="0"/>
+                  <a:t>scales output from cell</a:t>
+                </a:r>
+                <a:endParaRPr lang="en-US" kern="0" dirty="0" smtClean="0"/>
+              </a:p>
+              <a:p>
+                <a:pPr defTabSz="914400"/>
+                <a:r>
+                  <a:rPr lang="en-US" b="1" kern="0" dirty="0" smtClean="0"/>
+                  <a:t>Forget </a:t>
+                </a:r>
+                <a:r>
+                  <a:rPr lang="en-US" b="1" kern="0" dirty="0" smtClean="0"/>
+                  <a:t>gate </a:t>
+                </a:r>
+                <a:r>
+                  <a:rPr lang="en-US" b="1" kern="0" dirty="0" smtClean="0"/>
+                  <a:t>- </a:t>
+                </a:r>
+                <a:r>
+                  <a:rPr lang="en-US" kern="0" dirty="0" smtClean="0"/>
+                  <a:t>scales old cell value (reset)</a:t>
+                </a:r>
+              </a:p>
+              <a:p>
+                <a:pPr marL="0" indent="0" defTabSz="914400">
+                  <a:buNone/>
+                </a:pPr>
+                <a:endParaRPr lang="en-US" kern="0" dirty="0" smtClean="0"/>
+              </a:p>
+              <a:p>
+                <a:pPr lvl="1" defTabSz="914400"/>
+                <a:endParaRPr lang="en-US" kern="0" dirty="0" smtClean="0"/>
+              </a:p>
+              <a:p>
+                <a:pPr marL="0" indent="0" defTabSz="914400">
+                  <a:buFontTx/>
+                  <a:buNone/>
+                </a:pPr>
+                <a:endParaRPr lang="en-US" kern="0" dirty="0"/>
+              </a:p>
+            </p:txBody>
+          </p:sp>
+        </mc:Choice>
+        <mc:Fallback>
+          <p:sp>
+            <p:nvSpPr>
+              <p:cNvPr id="4" name="Content Placeholder 1"/>
+              <p:cNvSpPr txBox="1">
+                <a:spLocks noRot="1" noChangeAspect="1" noMove="1" noResize="1" noEditPoints="1" noAdjustHandles="1" noChangeArrowheads="1" noChangeShapeType="1" noTextEdit="1"/>
+              </p:cNvSpPr>
+              <p:nvPr/>
+            </p:nvSpPr>
+            <p:spPr bwMode="auto">
+              <a:xfrm>
+                <a:off x="455614" y="2209800"/>
+                <a:ext cx="5259386" cy="3370261"/>
+              </a:xfrm>
+              <a:prstGeom prst="rect">
+                <a:avLst/>
+              </a:prstGeom>
+              <a:blipFill rotWithShape="0">
+                <a:blip r:embed="rId2"/>
+                <a:stretch>
+                  <a:fillRect l="-3592" t="-2899" r="-3360" b="-11957"/>
+                </a:stretch>
+              </a:blipFill>
+              <a:ln w="9525">
+                <a:noFill/>
+                <a:miter lim="800000"/>
+                <a:headEnd/>
+                <a:tailEnd/>
+              </a:ln>
+            </p:spPr>
+            <p:txBody>
+              <a:bodyPr/>
+              <a:lstStyle/>
+              <a:p>
+                <a:r>
+                  <a:rPr lang="he-IL">
+                    <a:noFill/>
+                  </a:rPr>
+                  <a:t> </a:t>
+                </a:r>
+              </a:p>
+            </p:txBody>
+          </p:sp>
+        </mc:Fallback>
+      </mc:AlternateContent>
       <p:pic>
         <p:nvPicPr>
           <p:cNvPr id="1026" name="Picture 2"/>
@@ -15138,7 +16009,7 @@
           <p:nvPr/>
         </p:nvPicPr>
         <p:blipFill>
-          <a:blip r:embed="rId2">
+          <a:blip r:embed="rId3">
             <a:extLst>
               <a:ext uri="{28A0092B-C50C-407E-A947-70E740481C1C}">
                 <a14:useLocalDpi xmlns:a14="http://schemas.microsoft.com/office/drawing/2010/main" val="0"/>
@@ -15152,7 +16023,7 @@
         </p:blipFill>
         <p:spPr bwMode="auto">
           <a:xfrm>
-            <a:off x="5562600" y="2462213"/>
+            <a:off x="5791200" y="2135189"/>
             <a:ext cx="3121025" cy="3938587"/>
           </a:xfrm>
           <a:prstGeom prst="rect">
@@ -15216,7 +16087,7 @@
 </p:sld>
 </file>
 
-<file path=ppt/slides/slide24.xml><?xml version="1.0" encoding="utf-8"?>
+<file path=ppt/slides/slide26.xml><?xml version="1.0" encoding="utf-8"?>
 <p:sld xmlns:a="http://schemas.openxmlformats.org/drawingml/2006/main" xmlns:r="http://schemas.openxmlformats.org/officeDocument/2006/relationships" xmlns:p="http://schemas.openxmlformats.org/presentationml/2006/main">
   <p:cSld>
     <p:spTree>
@@ -15249,8 +16120,8 @@
           <a:lstStyle/>
           <a:p>
             <a:r>
-              <a:rPr lang="en-US" dirty="0" smtClean="0"/>
-              <a:t>LSTM</a:t>
+              <a:rPr lang="en-US" dirty="0"/>
+              <a:t>Long Short-Term Memory (LSTM)</a:t>
             </a:r>
             <a:endParaRPr lang="en-US" dirty="0"/>
           </a:p>
@@ -15529,191 +16400,7 @@
 </p:sld>
 </file>
 
-<file path=ppt/slides/slide25.xml><?xml version="1.0" encoding="utf-8"?>
-<p:sld xmlns:a="http://schemas.openxmlformats.org/drawingml/2006/main" xmlns:r="http://schemas.openxmlformats.org/officeDocument/2006/relationships" xmlns:p="http://schemas.openxmlformats.org/presentationml/2006/main">
-  <p:cSld>
-    <p:spTree>
-      <p:nvGrpSpPr>
-        <p:cNvPr id="1" name=""/>
-        <p:cNvGrpSpPr/>
-        <p:nvPr/>
-      </p:nvGrpSpPr>
-      <p:grpSpPr>
-        <a:xfrm>
-          <a:off x="0" y="0"/>
-          <a:ext cx="0" cy="0"/>
-          <a:chOff x="0" y="0"/>
-          <a:chExt cx="0" cy="0"/>
-        </a:xfrm>
-      </p:grpSpPr>
-      <p:sp>
-        <p:nvSpPr>
-          <p:cNvPr id="2" name="Content Placeholder 1"/>
-          <p:cNvSpPr>
-            <a:spLocks noGrp="1"/>
-          </p:cNvSpPr>
-          <p:nvPr>
-            <p:ph idx="1"/>
-          </p:nvPr>
-        </p:nvSpPr>
-        <p:spPr>
-          <a:xfrm>
-            <a:off x="455614" y="838201"/>
-            <a:ext cx="8237537" cy="1981200"/>
-          </a:xfrm>
-        </p:spPr>
-        <p:txBody>
-          <a:bodyPr/>
-          <a:lstStyle/>
-          <a:p>
-            <a:pPr marL="0" indent="0">
-              <a:buNone/>
-            </a:pPr>
-            <a:r>
-              <a:rPr lang="en-US" dirty="0" smtClean="0"/>
-              <a:t>LSTN Net composed from “memory cells”</a:t>
-            </a:r>
-          </a:p>
-          <a:p>
-            <a:pPr marL="0" indent="0">
-              <a:buNone/>
-            </a:pPr>
-            <a:r>
-              <a:rPr lang="en-US" dirty="0"/>
-              <a:t>Training with gradient back-propagation through </a:t>
-            </a:r>
-            <a:r>
-              <a:rPr lang="en-US" dirty="0" smtClean="0"/>
-              <a:t>time:</a:t>
-            </a:r>
-            <a:endParaRPr lang="en-US" dirty="0"/>
-          </a:p>
-          <a:p>
-            <a:pPr marL="693720" lvl="1" indent="-342900"/>
-            <a:r>
-              <a:rPr lang="en-US" dirty="0"/>
-              <a:t>usually  gradient is truncated after 1-2 steps</a:t>
-            </a:r>
-          </a:p>
-          <a:p>
-            <a:pPr marL="0" indent="0">
-              <a:buNone/>
-            </a:pPr>
-            <a:endParaRPr lang="en-US" sz="2000" dirty="0"/>
-          </a:p>
-        </p:txBody>
-      </p:sp>
-      <p:sp>
-        <p:nvSpPr>
-          <p:cNvPr id="3" name="Title 2"/>
-          <p:cNvSpPr>
-            <a:spLocks noGrp="1"/>
-          </p:cNvSpPr>
-          <p:nvPr>
-            <p:ph type="title"/>
-          </p:nvPr>
-        </p:nvSpPr>
-        <p:spPr/>
-        <p:txBody>
-          <a:bodyPr/>
-          <a:lstStyle/>
-          <a:p>
-            <a:r>
-              <a:rPr lang="en-US" dirty="0" smtClean="0"/>
-              <a:t>LSTM network</a:t>
-            </a:r>
-            <a:endParaRPr lang="en-US" dirty="0"/>
-          </a:p>
-        </p:txBody>
-      </p:sp>
-      <p:pic>
-        <p:nvPicPr>
-          <p:cNvPr id="2050" name="Picture 2"/>
-          <p:cNvPicPr>
-            <a:picLocks noChangeAspect="1" noChangeArrowheads="1"/>
-          </p:cNvPicPr>
-          <p:nvPr/>
-        </p:nvPicPr>
-        <p:blipFill>
-          <a:blip r:embed="rId2">
-            <a:extLst>
-              <a:ext uri="{28A0092B-C50C-407E-A947-70E740481C1C}">
-                <a14:useLocalDpi xmlns:a14="http://schemas.microsoft.com/office/drawing/2010/main" val="0"/>
-              </a:ext>
-            </a:extLst>
-          </a:blip>
-          <a:srcRect/>
-          <a:stretch>
-            <a:fillRect/>
-          </a:stretch>
-        </p:blipFill>
-        <p:spPr bwMode="auto">
-          <a:xfrm>
-            <a:off x="2844139" y="2590800"/>
-            <a:ext cx="4642951" cy="4087886"/>
-          </a:xfrm>
-          <a:prstGeom prst="rect">
-            <a:avLst/>
-          </a:prstGeom>
-          <a:noFill/>
-          <a:ln>
-            <a:noFill/>
-          </a:ln>
-          <a:effectLst/>
-          <a:extLst>
-            <a:ext uri="{909E8E84-426E-40DD-AFC4-6F175D3DCCD1}">
-              <a14:hiddenFill xmlns:a14="http://schemas.microsoft.com/office/drawing/2010/main">
-                <a:solidFill>
-                  <a:schemeClr val="accent1"/>
-                </a:solidFill>
-              </a14:hiddenFill>
-            </a:ext>
-            <a:ext uri="{91240B29-F687-4F45-9708-019B960494DF}">
-              <a14:hiddenLine xmlns:a14="http://schemas.microsoft.com/office/drawing/2010/main" w="9525">
-                <a:solidFill>
-                  <a:schemeClr val="tx1"/>
-                </a:solidFill>
-                <a:miter lim="800000"/>
-                <a:headEnd/>
-                <a:tailEnd/>
-              </a14:hiddenLine>
-            </a:ext>
-            <a:ext uri="{AF507438-7753-43E0-B8FC-AC1667EBCBE1}">
-              <a14:hiddenEffects xmlns:a14="http://schemas.microsoft.com/office/drawing/2010/main">
-                <a:effectLst>
-                  <a:outerShdw dist="35921" dir="2700000" algn="ctr" rotWithShape="0">
-                    <a:schemeClr val="bg2"/>
-                  </a:outerShdw>
-                </a:effectLst>
-              </a14:hiddenEffects>
-            </a:ext>
-          </a:extLst>
-        </p:spPr>
-      </p:pic>
-    </p:spTree>
-    <p:extLst>
-      <p:ext uri="{BB962C8B-B14F-4D97-AF65-F5344CB8AC3E}">
-        <p14:creationId xmlns:p14="http://schemas.microsoft.com/office/powerpoint/2010/main" val="3063773401"/>
-      </p:ext>
-    </p:extLst>
-  </p:cSld>
-  <p:clrMapOvr>
-    <a:masterClrMapping/>
-  </p:clrMapOvr>
-  <p:transition>
-    <p:fade/>
-  </p:transition>
-  <p:timing>
-    <p:tnLst>
-      <p:par>
-        <p:cTn id="1" dur="indefinite" restart="never" nodeType="tmRoot"/>
-      </p:par>
-    </p:tnLst>
-  </p:timing>
-</p:sld>
-</file>
-
-<file path=ppt/slides/slide26.xml><?xml version="1.0" encoding="utf-8"?>
+<file path=ppt/slides/slide27.xml><?xml version="1.0" encoding="utf-8"?>
 <p:sld xmlns:a="http://schemas.openxmlformats.org/drawingml/2006/main" xmlns:r="http://schemas.openxmlformats.org/officeDocument/2006/relationships" xmlns:p="http://schemas.openxmlformats.org/presentationml/2006/main">
   <p:cSld>
     <p:spTree>
@@ -15945,7 +16632,7 @@
 </p:sld>
 </file>
 
-<file path=ppt/slides/slide27.xml><?xml version="1.0" encoding="utf-8"?>
+<file path=ppt/slides/slide28.xml><?xml version="1.0" encoding="utf-8"?>
 <p:sld xmlns:a="http://schemas.openxmlformats.org/drawingml/2006/main" xmlns:r="http://schemas.openxmlformats.org/officeDocument/2006/relationships" xmlns:p="http://schemas.openxmlformats.org/presentationml/2006/main">
   <p:cSld>
     <p:spTree>
@@ -15962,32 +16649,6 @@
           <a:chExt cx="0" cy="0"/>
         </a:xfrm>
       </p:grpSpPr>
-      <p:pic>
-        <p:nvPicPr>
-          <p:cNvPr id="5" name="Content Placeholder 4"/>
-          <p:cNvPicPr>
-            <a:picLocks noGrp="1" noChangeAspect="1"/>
-          </p:cNvPicPr>
-          <p:nvPr>
-            <p:ph idx="1"/>
-          </p:nvPr>
-        </p:nvPicPr>
-        <p:blipFill>
-          <a:blip r:embed="rId2"/>
-          <a:stretch>
-            <a:fillRect/>
-          </a:stretch>
-        </p:blipFill>
-        <p:spPr>
-          <a:xfrm>
-            <a:off x="3522045" y="3708374"/>
-            <a:ext cx="2163764" cy="639536"/>
-          </a:xfrm>
-          <a:prstGeom prst="rect">
-            <a:avLst/>
-          </a:prstGeom>
-        </p:spPr>
-      </p:pic>
       <p:sp>
         <p:nvSpPr>
           <p:cNvPr id="3" name="Title 2"/>
@@ -16020,87 +16681,15 @@
           <p:nvPr/>
         </p:nvPicPr>
         <p:blipFill>
-          <a:blip r:embed="rId3"/>
+          <a:blip r:embed="rId2"/>
           <a:stretch>
             <a:fillRect/>
           </a:stretch>
         </p:blipFill>
         <p:spPr>
           <a:xfrm>
-            <a:off x="2971800" y="1226353"/>
+            <a:off x="3200400" y="1121728"/>
             <a:ext cx="3628451" cy="2286000"/>
-          </a:xfrm>
-          <a:prstGeom prst="rect">
-            <a:avLst/>
-          </a:prstGeom>
-        </p:spPr>
-      </p:pic>
-      <p:pic>
-        <p:nvPicPr>
-          <p:cNvPr id="6" name="Picture 5"/>
-          <p:cNvPicPr>
-            <a:picLocks noChangeAspect="1"/>
-          </p:cNvPicPr>
-          <p:nvPr/>
-        </p:nvPicPr>
-        <p:blipFill>
-          <a:blip r:embed="rId4"/>
-          <a:stretch>
-            <a:fillRect/>
-          </a:stretch>
-        </p:blipFill>
-        <p:spPr>
-          <a:xfrm>
-            <a:off x="2389158" y="4328809"/>
-            <a:ext cx="4061054" cy="458334"/>
-          </a:xfrm>
-          <a:prstGeom prst="rect">
-            <a:avLst/>
-          </a:prstGeom>
-        </p:spPr>
-      </p:pic>
-      <p:pic>
-        <p:nvPicPr>
-          <p:cNvPr id="7" name="Picture 6"/>
-          <p:cNvPicPr>
-            <a:picLocks noChangeAspect="1"/>
-          </p:cNvPicPr>
-          <p:nvPr/>
-        </p:nvPicPr>
-        <p:blipFill>
-          <a:blip r:embed="rId5"/>
-          <a:stretch>
-            <a:fillRect/>
-          </a:stretch>
-        </p:blipFill>
-        <p:spPr>
-          <a:xfrm>
-            <a:off x="3407484" y="4806910"/>
-            <a:ext cx="2355624" cy="522287"/>
-          </a:xfrm>
-          <a:prstGeom prst="rect">
-            <a:avLst/>
-          </a:prstGeom>
-        </p:spPr>
-      </p:pic>
-      <p:pic>
-        <p:nvPicPr>
-          <p:cNvPr id="8" name="Picture 7"/>
-          <p:cNvPicPr>
-            <a:picLocks noChangeAspect="1"/>
-          </p:cNvPicPr>
-          <p:nvPr/>
-        </p:nvPicPr>
-        <p:blipFill>
-          <a:blip r:embed="rId6"/>
-          <a:stretch>
-            <a:fillRect/>
-          </a:stretch>
-        </p:blipFill>
-        <p:spPr>
-          <a:xfrm>
-            <a:off x="2675563" y="5334000"/>
-            <a:ext cx="3581400" cy="468994"/>
           </a:xfrm>
           <a:prstGeom prst="rect">
             <a:avLst/>
@@ -16136,7 +16725,7 @@
             <a:prstTxWarp prst="textNoShape">
               <a:avLst/>
             </a:prstTxWarp>
-            <a:normAutofit/>
+            <a:normAutofit fontScale="77500" lnSpcReduction="20000"/>
           </a:bodyPr>
           <a:lstStyle>
             <a:lvl1pPr marL="225414" indent="-225414" algn="l" rtl="0" eaLnBrk="0" fontAlgn="base" hangingPunct="0">
@@ -16289,10 +16878,131 @@
             <a:pPr marL="0" indent="0">
               <a:buNone/>
             </a:pPr>
-            <a:endParaRPr lang="en-US" sz="1600" i="1" kern="0" dirty="0"/>
+            <a:r>
+              <a:rPr lang="en-US" sz="1600" i="1" kern="0" dirty="0" smtClean="0"/>
+              <a:t>Chung et al, Empirical </a:t>
+            </a:r>
+            <a:r>
+              <a:rPr lang="en-US" sz="1600" i="1" kern="0" dirty="0"/>
+              <a:t>Evaluation </a:t>
+            </a:r>
+            <a:r>
+              <a:rPr lang="en-US" sz="1600" i="1" kern="0" dirty="0" smtClean="0"/>
+              <a:t>of Gated </a:t>
+            </a:r>
+            <a:r>
+              <a:rPr lang="en-US" sz="1600" i="1" kern="0" dirty="0"/>
+              <a:t>Recurrent Neural </a:t>
+            </a:r>
+            <a:r>
+              <a:rPr lang="en-US" sz="1600" i="1" kern="0" dirty="0" smtClean="0"/>
+              <a:t>Networks on </a:t>
+            </a:r>
+            <a:r>
+              <a:rPr lang="en-US" sz="1600" i="1" kern="0" dirty="0"/>
+              <a:t>Sequence Modeling</a:t>
+            </a:r>
           </a:p>
         </p:txBody>
       </p:sp>
+      <p:pic>
+        <p:nvPicPr>
+          <p:cNvPr id="10" name="Content Placeholder 9"/>
+          <p:cNvPicPr>
+            <a:picLocks noGrp="1" noChangeAspect="1"/>
+          </p:cNvPicPr>
+          <p:nvPr>
+            <p:ph idx="1"/>
+          </p:nvPr>
+        </p:nvPicPr>
+        <p:blipFill>
+          <a:blip r:embed="rId3"/>
+          <a:stretch>
+            <a:fillRect/>
+          </a:stretch>
+        </p:blipFill>
+        <p:spPr>
+          <a:xfrm>
+            <a:off x="3100350" y="3738790"/>
+            <a:ext cx="3398618" cy="448328"/>
+          </a:xfrm>
+          <a:prstGeom prst="rect">
+            <a:avLst/>
+          </a:prstGeom>
+        </p:spPr>
+      </p:pic>
+      <p:pic>
+        <p:nvPicPr>
+          <p:cNvPr id="11" name="Picture 10"/>
+          <p:cNvPicPr>
+            <a:picLocks noChangeAspect="1"/>
+          </p:cNvPicPr>
+          <p:nvPr/>
+        </p:nvPicPr>
+        <p:blipFill>
+          <a:blip r:embed="rId4"/>
+          <a:stretch>
+            <a:fillRect/>
+          </a:stretch>
+        </p:blipFill>
+        <p:spPr>
+          <a:xfrm>
+            <a:off x="3253967" y="4265377"/>
+            <a:ext cx="3091384" cy="526782"/>
+          </a:xfrm>
+          <a:prstGeom prst="rect">
+            <a:avLst/>
+          </a:prstGeom>
+        </p:spPr>
+      </p:pic>
+      <p:pic>
+        <p:nvPicPr>
+          <p:cNvPr id="12" name="Picture 11"/>
+          <p:cNvPicPr>
+            <a:picLocks noChangeAspect="1"/>
+          </p:cNvPicPr>
+          <p:nvPr/>
+        </p:nvPicPr>
+        <p:blipFill>
+          <a:blip r:embed="rId5"/>
+          <a:stretch>
+            <a:fillRect/>
+          </a:stretch>
+        </p:blipFill>
+        <p:spPr>
+          <a:xfrm>
+            <a:off x="2870448" y="4789911"/>
+            <a:ext cx="3803125" cy="371348"/>
+          </a:xfrm>
+          <a:prstGeom prst="rect">
+            <a:avLst/>
+          </a:prstGeom>
+        </p:spPr>
+      </p:pic>
+      <p:pic>
+        <p:nvPicPr>
+          <p:cNvPr id="13" name="Picture 12"/>
+          <p:cNvPicPr>
+            <a:picLocks noChangeAspect="1"/>
+          </p:cNvPicPr>
+          <p:nvPr/>
+        </p:nvPicPr>
+        <p:blipFill>
+          <a:blip r:embed="rId6"/>
+          <a:stretch>
+            <a:fillRect/>
+          </a:stretch>
+        </p:blipFill>
+        <p:spPr>
+          <a:xfrm>
+            <a:off x="3276600" y="5261508"/>
+            <a:ext cx="3245001" cy="502544"/>
+          </a:xfrm>
+          <a:prstGeom prst="rect">
+            <a:avLst/>
+          </a:prstGeom>
+        </p:spPr>
+      </p:pic>
     </p:spTree>
     <p:extLst>
       <p:ext uri="{BB962C8B-B14F-4D97-AF65-F5344CB8AC3E}">
@@ -16316,7 +17026,7 @@
 </p:sld>
 </file>
 
-<file path=ppt/slides/slide28.xml><?xml version="1.0" encoding="utf-8"?>
+<file path=ppt/slides/slide29.xml><?xml version="1.0" encoding="utf-8"?>
 <p:sld xmlns:a="http://schemas.openxmlformats.org/drawingml/2006/main" xmlns:r="http://schemas.openxmlformats.org/officeDocument/2006/relationships" xmlns:p="http://schemas.openxmlformats.org/presentationml/2006/main">
   <p:cSld>
     <p:spTree>
@@ -16613,195 +17323,55 @@
           </a:p>
         </p:txBody>
       </p:sp>
-    </p:spTree>
-    <p:extLst>
-      <p:ext uri="{BB962C8B-B14F-4D97-AF65-F5344CB8AC3E}">
-        <p14:creationId xmlns:p14="http://schemas.microsoft.com/office/powerpoint/2010/main" val="516347313"/>
-      </p:ext>
-    </p:extLst>
-  </p:cSld>
-  <p:clrMapOvr>
-    <a:masterClrMapping/>
-  </p:clrMapOvr>
-  <p:transition>
-    <p:fade/>
-  </p:transition>
-  <p:timing>
-    <p:tnLst>
-      <p:par>
-        <p:cTn id="1" dur="indefinite" restart="never" nodeType="tmRoot"/>
-      </p:par>
-    </p:tnLst>
-  </p:timing>
-</p:sld>
-</file>
-
-<file path=ppt/slides/slide29.xml><?xml version="1.0" encoding="utf-8"?>
-<p:sld xmlns:a="http://schemas.openxmlformats.org/drawingml/2006/main" xmlns:r="http://schemas.openxmlformats.org/officeDocument/2006/relationships" xmlns:p="http://schemas.openxmlformats.org/presentationml/2006/main">
-  <p:cSld>
-    <p:spTree>
-      <p:nvGrpSpPr>
-        <p:cNvPr id="1" name=""/>
-        <p:cNvGrpSpPr/>
-        <p:nvPr/>
-      </p:nvGrpSpPr>
-      <p:grpSpPr>
-        <a:xfrm>
-          <a:off x="0" y="0"/>
-          <a:ext cx="0" cy="0"/>
-          <a:chOff x="0" y="0"/>
-          <a:chExt cx="0" cy="0"/>
-        </a:xfrm>
-      </p:grpSpPr>
+      <p:pic>
+        <p:nvPicPr>
+          <p:cNvPr id="2" name="Picture 1"/>
+          <p:cNvPicPr>
+            <a:picLocks noChangeAspect="1"/>
+          </p:cNvPicPr>
+          <p:nvPr/>
+        </p:nvPicPr>
+        <p:blipFill>
+          <a:blip r:embed="rId4"/>
+          <a:stretch>
+            <a:fillRect/>
+          </a:stretch>
+        </p:blipFill>
+        <p:spPr>
+          <a:xfrm>
+            <a:off x="6019800" y="5503484"/>
+            <a:ext cx="1963801" cy="719139"/>
+          </a:xfrm>
+          <a:prstGeom prst="rect">
+            <a:avLst/>
+          </a:prstGeom>
+        </p:spPr>
+      </p:pic>
       <p:sp>
         <p:nvSpPr>
-          <p:cNvPr id="2" name="Content Placeholder 1"/>
-          <p:cNvSpPr>
-            <a:spLocks noGrp="1"/>
-          </p:cNvSpPr>
-          <p:nvPr>
-            <p:ph idx="1"/>
-          </p:nvPr>
+          <p:cNvPr id="7" name="TextBox 6"/>
+          <p:cNvSpPr txBox="1"/>
+          <p:nvPr/>
         </p:nvSpPr>
         <p:spPr>
           <a:xfrm>
-            <a:off x="455614" y="1201738"/>
-            <a:ext cx="8237537" cy="5122861"/>
+            <a:off x="1524000" y="5681800"/>
+            <a:ext cx="4008983" cy="369332"/>
           </a:xfrm>
+          <a:prstGeom prst="rect">
+            <a:avLst/>
+          </a:prstGeom>
+          <a:noFill/>
         </p:spPr>
         <p:txBody>
-          <a:bodyPr/>
+          <a:bodyPr wrap="none" rtlCol="1">
+            <a:spAutoFit/>
+          </a:bodyPr>
           <a:lstStyle/>
           <a:p>
             <a:r>
-              <a:rPr lang="en-US" dirty="0"/>
-              <a:t>Feedforward architectures </a:t>
-            </a:r>
-            <a:r>
               <a:rPr lang="en-US" dirty="0" smtClean="0"/>
-              <a:t>- represent </a:t>
-            </a:r>
-            <a:r>
-              <a:rPr lang="en-US" dirty="0"/>
-              <a:t>time explicitly with a fixed-length window of the recent history </a:t>
-            </a:r>
-            <a:r>
-              <a:rPr lang="en-US" dirty="0" smtClean="0"/>
-              <a:t>(</a:t>
-            </a:r>
-            <a:r>
-              <a:rPr lang="en-US" dirty="0"/>
-              <a:t>time-delayed neural </a:t>
-            </a:r>
-            <a:r>
-              <a:rPr lang="en-US" dirty="0" smtClean="0"/>
-              <a:t>networks)</a:t>
-            </a:r>
-          </a:p>
-          <a:p>
-            <a:pPr marL="0" indent="0">
-              <a:buNone/>
-            </a:pPr>
-            <a:endParaRPr lang="en-US" dirty="0" smtClean="0"/>
-          </a:p>
-          <a:p>
-            <a:r>
-              <a:rPr lang="en-US" dirty="0" smtClean="0"/>
-              <a:t>Recurrent architectures - represent </a:t>
-            </a:r>
-            <a:r>
-              <a:rPr lang="en-US" dirty="0"/>
-              <a:t>time </a:t>
-            </a:r>
-            <a:r>
-              <a:rPr lang="en-US" dirty="0" smtClean="0"/>
-              <a:t>recursively</a:t>
-            </a:r>
-          </a:p>
-          <a:p>
-            <a:pPr lvl="1"/>
-            <a:r>
-              <a:rPr lang="en-US" dirty="0" smtClean="0"/>
-              <a:t>Simple </a:t>
-            </a:r>
-            <a:r>
-              <a:rPr lang="en-US" dirty="0"/>
-              <a:t>recurrent network (SRN</a:t>
-            </a:r>
-            <a:r>
-              <a:rPr lang="en-US" dirty="0" smtClean="0"/>
-              <a:t>)</a:t>
-            </a:r>
-          </a:p>
-          <a:p>
-            <a:pPr lvl="1"/>
-            <a:r>
-              <a:rPr lang="en-US" dirty="0" smtClean="0"/>
-              <a:t>Gated Recurrent Architectures (LSTM, GRU)</a:t>
-            </a:r>
-          </a:p>
-          <a:p>
-            <a:pPr marL="339707" lvl="1" indent="0">
-              <a:buNone/>
-            </a:pPr>
-            <a:endParaRPr lang="en-US" dirty="0" smtClean="0"/>
-          </a:p>
-          <a:p>
-            <a:r>
-              <a:rPr lang="en-US" b="1" dirty="0" smtClean="0"/>
-              <a:t>Explicit memory architectures</a:t>
-            </a:r>
-          </a:p>
-          <a:p>
-            <a:pPr lvl="1"/>
-            <a:r>
-              <a:rPr lang="en-US" dirty="0" smtClean="0"/>
-              <a:t>Neural Turing </a:t>
-            </a:r>
-            <a:r>
-              <a:rPr lang="en-US" dirty="0"/>
-              <a:t>m</a:t>
-            </a:r>
-            <a:r>
-              <a:rPr lang="en-US" dirty="0" smtClean="0"/>
-              <a:t>achines</a:t>
-            </a:r>
-          </a:p>
-          <a:p>
-            <a:pPr lvl="1"/>
-            <a:r>
-              <a:rPr lang="en-US" dirty="0" smtClean="0"/>
-              <a:t>Memory networks</a:t>
-            </a:r>
-          </a:p>
-          <a:p>
-            <a:pPr lvl="1"/>
-            <a:r>
-              <a:rPr lang="en-US" dirty="0" smtClean="0"/>
-              <a:t>Stack RNN</a:t>
-            </a:r>
-            <a:endParaRPr lang="en-US" dirty="0"/>
-          </a:p>
-        </p:txBody>
-      </p:sp>
-      <p:sp>
-        <p:nvSpPr>
-          <p:cNvPr id="3" name="Title 2"/>
-          <p:cNvSpPr>
-            <a:spLocks noGrp="1"/>
-          </p:cNvSpPr>
-          <p:nvPr>
-            <p:ph type="title"/>
-          </p:nvPr>
-        </p:nvSpPr>
-        <p:spPr/>
-        <p:txBody>
-          <a:bodyPr/>
-          <a:lstStyle/>
-          <a:p>
-            <a:r>
-              <a:rPr lang="en-US" dirty="0" smtClean="0"/>
-              <a:t>Approaches to Time Dependent NN</a:t>
+              <a:t>Alternative model interpretation:</a:t>
             </a:r>
             <a:endParaRPr lang="he-IL" dirty="0"/>
           </a:p>
@@ -16810,7 +17380,7 @@
     </p:spTree>
     <p:extLst>
       <p:ext uri="{BB962C8B-B14F-4D97-AF65-F5344CB8AC3E}">
-        <p14:creationId xmlns:p14="http://schemas.microsoft.com/office/powerpoint/2010/main" val="390482769"/>
+        <p14:creationId xmlns:p14="http://schemas.microsoft.com/office/powerpoint/2010/main" val="516347313"/>
       </p:ext>
     </p:extLst>
   </p:cSld>
@@ -16900,6 +17470,200 @@
 </file>
 
 <file path=ppt/slides/slide30.xml><?xml version="1.0" encoding="utf-8"?>
+<p:sld xmlns:a="http://schemas.openxmlformats.org/drawingml/2006/main" xmlns:r="http://schemas.openxmlformats.org/officeDocument/2006/relationships" xmlns:p="http://schemas.openxmlformats.org/presentationml/2006/main">
+  <p:cSld>
+    <p:spTree>
+      <p:nvGrpSpPr>
+        <p:cNvPr id="1" name=""/>
+        <p:cNvGrpSpPr/>
+        <p:nvPr/>
+      </p:nvGrpSpPr>
+      <p:grpSpPr>
+        <a:xfrm>
+          <a:off x="0" y="0"/>
+          <a:ext cx="0" cy="0"/>
+          <a:chOff x="0" y="0"/>
+          <a:chExt cx="0" cy="0"/>
+        </a:xfrm>
+      </p:grpSpPr>
+      <p:sp>
+        <p:nvSpPr>
+          <p:cNvPr id="2" name="Content Placeholder 1"/>
+          <p:cNvSpPr>
+            <a:spLocks noGrp="1"/>
+          </p:cNvSpPr>
+          <p:nvPr>
+            <p:ph idx="1"/>
+          </p:nvPr>
+        </p:nvSpPr>
+        <p:spPr>
+          <a:xfrm>
+            <a:off x="455614" y="1201738"/>
+            <a:ext cx="8237537" cy="5122861"/>
+          </a:xfrm>
+        </p:spPr>
+        <p:txBody>
+          <a:bodyPr/>
+          <a:lstStyle/>
+          <a:p>
+            <a:r>
+              <a:rPr lang="en-US" dirty="0"/>
+              <a:t>Feedforward architectures </a:t>
+            </a:r>
+            <a:r>
+              <a:rPr lang="en-US" dirty="0" smtClean="0"/>
+              <a:t>- represent </a:t>
+            </a:r>
+            <a:r>
+              <a:rPr lang="en-US" dirty="0"/>
+              <a:t>time explicitly with a fixed-length window of the recent history </a:t>
+            </a:r>
+            <a:r>
+              <a:rPr lang="en-US" dirty="0" smtClean="0"/>
+              <a:t>(</a:t>
+            </a:r>
+            <a:r>
+              <a:rPr lang="en-US" dirty="0"/>
+              <a:t>time-delayed neural </a:t>
+            </a:r>
+            <a:r>
+              <a:rPr lang="en-US" dirty="0" smtClean="0"/>
+              <a:t>networks)</a:t>
+            </a:r>
+          </a:p>
+          <a:p>
+            <a:pPr marL="0" indent="0">
+              <a:buNone/>
+            </a:pPr>
+            <a:endParaRPr lang="en-US" dirty="0" smtClean="0"/>
+          </a:p>
+          <a:p>
+            <a:r>
+              <a:rPr lang="en-US" dirty="0" smtClean="0"/>
+              <a:t>Recurrent architectures - represent </a:t>
+            </a:r>
+            <a:r>
+              <a:rPr lang="en-US" dirty="0"/>
+              <a:t>time </a:t>
+            </a:r>
+            <a:r>
+              <a:rPr lang="en-US" dirty="0" smtClean="0"/>
+              <a:t>recursively</a:t>
+            </a:r>
+          </a:p>
+          <a:p>
+            <a:pPr lvl="1"/>
+            <a:r>
+              <a:rPr lang="en-US" dirty="0" smtClean="0"/>
+              <a:t>Simple </a:t>
+            </a:r>
+            <a:r>
+              <a:rPr lang="en-US" dirty="0"/>
+              <a:t>recurrent network (SRN</a:t>
+            </a:r>
+            <a:r>
+              <a:rPr lang="en-US" dirty="0" smtClean="0"/>
+              <a:t>)</a:t>
+            </a:r>
+          </a:p>
+          <a:p>
+            <a:pPr lvl="1"/>
+            <a:r>
+              <a:rPr lang="en-US" dirty="0" smtClean="0"/>
+              <a:t>Gated Recurrent Architectures (LSTM, GRU)</a:t>
+            </a:r>
+          </a:p>
+          <a:p>
+            <a:pPr marL="339707" lvl="1" indent="0">
+              <a:buNone/>
+            </a:pPr>
+            <a:endParaRPr lang="en-US" dirty="0" smtClean="0"/>
+          </a:p>
+          <a:p>
+            <a:r>
+              <a:rPr lang="en-US" b="1" dirty="0" smtClean="0"/>
+              <a:t>Explicit memory architectures</a:t>
+            </a:r>
+          </a:p>
+          <a:p>
+            <a:pPr lvl="1"/>
+            <a:r>
+              <a:rPr lang="en-US" dirty="0" smtClean="0"/>
+              <a:t>Neural Turing </a:t>
+            </a:r>
+            <a:r>
+              <a:rPr lang="en-US" dirty="0"/>
+              <a:t>m</a:t>
+            </a:r>
+            <a:r>
+              <a:rPr lang="en-US" dirty="0" smtClean="0"/>
+              <a:t>achines</a:t>
+            </a:r>
+          </a:p>
+          <a:p>
+            <a:pPr lvl="1"/>
+            <a:r>
+              <a:rPr lang="en-US" dirty="0" smtClean="0"/>
+              <a:t>Memory networks</a:t>
+            </a:r>
+          </a:p>
+          <a:p>
+            <a:pPr lvl="1"/>
+            <a:r>
+              <a:rPr lang="en-US" dirty="0" smtClean="0"/>
+              <a:t>Stack RNN</a:t>
+            </a:r>
+            <a:endParaRPr lang="en-US" dirty="0"/>
+          </a:p>
+        </p:txBody>
+      </p:sp>
+      <p:sp>
+        <p:nvSpPr>
+          <p:cNvPr id="3" name="Title 2"/>
+          <p:cNvSpPr>
+            <a:spLocks noGrp="1"/>
+          </p:cNvSpPr>
+          <p:nvPr>
+            <p:ph type="title"/>
+          </p:nvPr>
+        </p:nvSpPr>
+        <p:spPr/>
+        <p:txBody>
+          <a:bodyPr/>
+          <a:lstStyle/>
+          <a:p>
+            <a:r>
+              <a:rPr lang="en-US" dirty="0" smtClean="0"/>
+              <a:t>Approaches to Time Dependent NN</a:t>
+            </a:r>
+            <a:endParaRPr lang="he-IL" dirty="0"/>
+          </a:p>
+        </p:txBody>
+      </p:sp>
+    </p:spTree>
+    <p:extLst>
+      <p:ext uri="{BB962C8B-B14F-4D97-AF65-F5344CB8AC3E}">
+        <p14:creationId xmlns:p14="http://schemas.microsoft.com/office/powerpoint/2010/main" val="390482769"/>
+      </p:ext>
+    </p:extLst>
+  </p:cSld>
+  <p:clrMapOvr>
+    <a:masterClrMapping/>
+  </p:clrMapOvr>
+  <p:transition>
+    <p:fade/>
+  </p:transition>
+  <p:timing>
+    <p:tnLst>
+      <p:par>
+        <p:cTn id="1" dur="indefinite" restart="never" nodeType="tmRoot"/>
+      </p:par>
+    </p:tnLst>
+  </p:timing>
+</p:sld>
+</file>
+
+<file path=ppt/slides/slide31.xml><?xml version="1.0" encoding="utf-8"?>
 <p:sld xmlns:a="http://schemas.openxmlformats.org/drawingml/2006/main" xmlns:r="http://schemas.openxmlformats.org/officeDocument/2006/relationships" xmlns:p="http://schemas.openxmlformats.org/presentationml/2006/main">
   <p:cSld>
     <p:spTree>
@@ -17261,7 +18025,7 @@
 </p:sld>
 </file>
 
-<file path=ppt/slides/slide31.xml><?xml version="1.0" encoding="utf-8"?>
+<file path=ppt/slides/slide32.xml><?xml version="1.0" encoding="utf-8"?>
 <p:sld xmlns:a="http://schemas.openxmlformats.org/drawingml/2006/main" xmlns:r="http://schemas.openxmlformats.org/officeDocument/2006/relationships" xmlns:p="http://schemas.openxmlformats.org/presentationml/2006/main">
   <p:cSld>
     <p:spTree>
@@ -17577,7 +18341,7 @@
 </p:sld>
 </file>
 
-<file path=ppt/slides/slide32.xml><?xml version="1.0" encoding="utf-8"?>
+<file path=ppt/slides/slide33.xml><?xml version="1.0" encoding="utf-8"?>
 <p:sld xmlns:a="http://schemas.openxmlformats.org/drawingml/2006/main" xmlns:r="http://schemas.openxmlformats.org/officeDocument/2006/relationships" xmlns:p="http://schemas.openxmlformats.org/presentationml/2006/main">
   <p:cSld>
     <p:spTree>
@@ -17615,11 +18379,7 @@
             </a:r>
             <a:r>
               <a:rPr lang="en-US" dirty="0" smtClean="0"/>
-              <a:t>– having explicit memory, answering questions on gathered knowledge</a:t>
-            </a:r>
-            <a:r>
-              <a:rPr lang="en-US" dirty="0" smtClean="0"/>
-              <a:t>.</a:t>
+              <a:t>– having explicit memory, answering questions on gathered knowledge.</a:t>
             </a:r>
           </a:p>
           <a:p>
@@ -17760,7 +18520,7 @@
 </p:sld>
 </file>
 
-<file path=ppt/slides/slide33.xml><?xml version="1.0" encoding="utf-8"?>
+<file path=ppt/slides/slide34.xml><?xml version="1.0" encoding="utf-8"?>
 <p:sld xmlns:a="http://schemas.openxmlformats.org/drawingml/2006/main" xmlns:r="http://schemas.openxmlformats.org/officeDocument/2006/relationships" xmlns:p="http://schemas.openxmlformats.org/presentationml/2006/main">
   <p:cSld>
     <p:spTree>
@@ -17886,7 +18646,7 @@
 </p:sld>
 </file>
 
-<file path=ppt/slides/slide34.xml><?xml version="1.0" encoding="utf-8"?>
+<file path=ppt/slides/slide35.xml><?xml version="1.0" encoding="utf-8"?>
 <p:sld xmlns:a="http://schemas.openxmlformats.org/drawingml/2006/main" xmlns:r="http://schemas.openxmlformats.org/officeDocument/2006/relationships" xmlns:p="http://schemas.openxmlformats.org/presentationml/2006/main">
   <p:cSld>
     <p:spTree>
@@ -19465,6 +20225,13 @@
   <p:transition>
     <p:fade/>
   </p:transition>
+  <p:timing>
+    <p:tnLst>
+      <p:par>
+        <p:cTn id="1" dur="indefinite" restart="never" nodeType="tmRoot"/>
+      </p:par>
+    </p:tnLst>
+  </p:timing>
 </p:sld>
 </file>
 
@@ -19656,6 +20423,13 @@
   <p:transition>
     <p:fade/>
   </p:transition>
+  <p:timing>
+    <p:tnLst>
+      <p:par>
+        <p:cTn id="1" dur="indefinite" restart="never" nodeType="tmRoot"/>
+      </p:par>
+    </p:tnLst>
+  </p:timing>
 </p:sld>
 </file>
 
@@ -19743,15 +20517,7 @@
             </a:r>
             <a:r>
               <a:rPr lang="en-US" dirty="0" smtClean="0"/>
-              <a:t> </a:t>
-            </a:r>
-            <a:r>
-              <a:rPr lang="en-US" dirty="0" smtClean="0"/>
-              <a:t>2015</a:t>
-            </a:r>
-            <a:r>
-              <a:rPr lang="en-US" dirty="0" smtClean="0"/>
-              <a:t>)</a:t>
+              <a:t> 2015)</a:t>
             </a:r>
             <a:endParaRPr lang="en-US" dirty="0"/>
           </a:p>
@@ -19799,6 +20565,13 @@
   <p:transition>
     <p:fade/>
   </p:transition>
+  <p:timing>
+    <p:tnLst>
+      <p:par>
+        <p:cTn id="1" dur="indefinite" restart="never" nodeType="tmRoot"/>
+      </p:par>
+    </p:tnLst>
+  </p:timing>
 </p:sld>
 </file>
 

--- a/DL_class2015/Lecture 11 RNN_LSTM.pptx
+++ b/DL_class2015/Lecture 11 RNN_LSTM.pptx
@@ -8,7 +8,7 @@
     <p:sldMasterId id="2147483741" r:id="rId4"/>
   </p:sldMasterIdLst>
   <p:notesMasterIdLst>
-    <p:notesMasterId r:id="rId40"/>
+    <p:notesMasterId r:id="rId41"/>
   </p:notesMasterIdLst>
   <p:sldIdLst>
     <p:sldId id="453" r:id="rId5"/>
@@ -44,8 +44,9 @@
     <p:sldId id="500" r:id="rId35"/>
     <p:sldId id="503" r:id="rId36"/>
     <p:sldId id="501" r:id="rId37"/>
-    <p:sldId id="514" r:id="rId38"/>
-    <p:sldId id="519" r:id="rId39"/>
+    <p:sldId id="522" r:id="rId38"/>
+    <p:sldId id="514" r:id="rId39"/>
+    <p:sldId id="519" r:id="rId40"/>
   </p:sldIdLst>
   <p:sldSz cx="9144000" cy="6858000" type="screen4x3"/>
   <p:notesSz cx="6858000" cy="9144000"/>
@@ -267,7 +268,7 @@
             <a:fld id="{67F62A93-AE3C-4D30-8D62-F26DD423996C}" type="datetimeFigureOut">
               <a:rPr lang="en-US" smtClean="0"/>
               <a:pPr/>
-              <a:t>6/1/2015</a:t>
+              <a:t>6/2/2015</a:t>
             </a:fld>
             <a:endParaRPr lang="en-US"/>
           </a:p>
@@ -15629,13 +15630,8 @@
             </a:r>
             <a:r>
               <a:rPr lang="en-US" i="1" dirty="0" smtClean="0"/>
-              <a:t>Schmidhuber,1997</a:t>
-            </a:r>
-            <a:r>
-              <a:rPr lang="en-US" i="1" dirty="0" smtClean="0"/>
-              <a:t>.</a:t>
-            </a:r>
-            <a:endParaRPr lang="en-US" i="1" dirty="0" smtClean="0"/>
+              <a:t>Schmidhuber,1997.</a:t>
+            </a:r>
           </a:p>
         </p:txBody>
       </p:sp>
@@ -15661,8 +15657,8 @@
           </a:p>
         </p:txBody>
       </p:sp>
-      <mc:AlternateContent xmlns:mc="http://schemas.openxmlformats.org/markup-compatibility/2006">
-        <mc:Choice xmlns:a14="http://schemas.microsoft.com/office/drawing/2010/main" Requires="a14">
+      <mc:AlternateContent xmlns:mc="http://schemas.openxmlformats.org/markup-compatibility/2006" xmlns:a14="http://schemas.microsoft.com/office/drawing/2010/main">
+        <mc:Choice Requires="a14">
           <p:sp>
             <p:nvSpPr>
               <p:cNvPr id="4" name="Content Placeholder 1"/>
@@ -15914,21 +15910,12 @@
                   <a:rPr lang="en-US" kern="0" dirty="0" smtClean="0"/>
                   <a:t>scales output from cell</a:t>
                 </a:r>
-                <a:endParaRPr lang="en-US" kern="0" dirty="0" smtClean="0"/>
               </a:p>
               <a:p>
                 <a:pPr defTabSz="914400"/>
                 <a:r>
                   <a:rPr lang="en-US" b="1" kern="0" dirty="0" smtClean="0"/>
-                  <a:t>Forget </a:t>
-                </a:r>
-                <a:r>
-                  <a:rPr lang="en-US" b="1" kern="0" dirty="0" smtClean="0"/>
-                  <a:t>gate </a:t>
-                </a:r>
-                <a:r>
-                  <a:rPr lang="en-US" b="1" kern="0" dirty="0" smtClean="0"/>
-                  <a:t>- </a:t>
+                  <a:t>Forget gate - </a:t>
                 </a:r>
                 <a:r>
                   <a:rPr lang="en-US" kern="0" dirty="0" smtClean="0"/>
@@ -15955,7 +15942,7 @@
             </p:txBody>
           </p:sp>
         </mc:Choice>
-        <mc:Fallback>
+        <mc:Fallback xmlns="">
           <p:sp>
             <p:nvSpPr>
               <p:cNvPr id="4" name="Content Placeholder 1"/>
@@ -16123,7 +16110,6 @@
               <a:rPr lang="en-US" dirty="0"/>
               <a:t>Long Short-Term Memory (LSTM)</a:t>
             </a:r>
-            <a:endParaRPr lang="en-US" dirty="0"/>
           </a:p>
         </p:txBody>
       </p:sp>
@@ -18404,45 +18390,6 @@
             <a:endParaRPr lang="en-US" dirty="0" smtClean="0"/>
           </a:p>
           <a:p>
-            <a:r>
-              <a:rPr lang="en-US" b="1" dirty="0"/>
-              <a:t>Stack-Augmented Recurrent </a:t>
-            </a:r>
-            <a:r>
-              <a:rPr lang="en-US" b="1" dirty="0" smtClean="0"/>
-              <a:t>Nets (</a:t>
-            </a:r>
-            <a:r>
-              <a:rPr lang="en-US" b="1" dirty="0" err="1" smtClean="0"/>
-              <a:t>Joulin</a:t>
-            </a:r>
-            <a:r>
-              <a:rPr lang="en-US" b="1" dirty="0" smtClean="0"/>
-              <a:t>, </a:t>
-            </a:r>
-            <a:r>
-              <a:rPr lang="en-US" b="1" dirty="0" err="1" smtClean="0"/>
-              <a:t>Mikolov</a:t>
-            </a:r>
-            <a:r>
-              <a:rPr lang="en-US" b="1" dirty="0" smtClean="0"/>
-              <a:t> 2015) </a:t>
-            </a:r>
-            <a:r>
-              <a:rPr lang="en-US" dirty="0" smtClean="0"/>
-              <a:t>- </a:t>
-            </a:r>
-            <a:r>
-              <a:rPr lang="en-US" dirty="0"/>
-              <a:t>count and to memorize </a:t>
-            </a:r>
-            <a:r>
-              <a:rPr lang="en-US" dirty="0" smtClean="0"/>
-              <a:t>sequences.</a:t>
-            </a:r>
-            <a:endParaRPr lang="en-US" b="1" dirty="0"/>
-          </a:p>
-          <a:p>
             <a:pPr marL="0" indent="0">
               <a:buNone/>
             </a:pPr>
@@ -18491,6 +18438,30 @@
           <a:xfrm>
             <a:off x="990600" y="2828958"/>
             <a:ext cx="6737948" cy="1295400"/>
+          </a:xfrm>
+          <a:prstGeom prst="rect">
+            <a:avLst/>
+          </a:prstGeom>
+        </p:spPr>
+      </p:pic>
+      <p:pic>
+        <p:nvPicPr>
+          <p:cNvPr id="4" name="Picture 3"/>
+          <p:cNvPicPr>
+            <a:picLocks noChangeAspect="1"/>
+          </p:cNvPicPr>
+          <p:nvPr/>
+        </p:nvPicPr>
+        <p:blipFill>
+          <a:blip r:embed="rId3"/>
+          <a:stretch>
+            <a:fillRect/>
+          </a:stretch>
+        </p:blipFill>
+        <p:spPr>
+          <a:xfrm>
+            <a:off x="761999" y="4572000"/>
+            <a:ext cx="7540261" cy="1676400"/>
           </a:xfrm>
           <a:prstGeom prst="rect">
             <a:avLst/>
@@ -18552,6 +18523,136 @@
           <a:bodyPr/>
           <a:lstStyle/>
           <a:p>
+            <a:pPr marL="0" indent="0">
+              <a:buNone/>
+            </a:pPr>
+            <a:endParaRPr lang="en-US" dirty="0" smtClean="0"/>
+          </a:p>
+          <a:p>
+            <a:r>
+              <a:rPr lang="en-US" b="1" dirty="0"/>
+              <a:t>Stack-Augmented Recurrent </a:t>
+            </a:r>
+            <a:r>
+              <a:rPr lang="en-US" b="1" dirty="0" smtClean="0"/>
+              <a:t>Nets (</a:t>
+            </a:r>
+            <a:r>
+              <a:rPr lang="en-US" b="1" dirty="0" err="1" smtClean="0"/>
+              <a:t>Joulin</a:t>
+            </a:r>
+            <a:r>
+              <a:rPr lang="en-US" b="1" dirty="0" smtClean="0"/>
+              <a:t>, </a:t>
+            </a:r>
+            <a:r>
+              <a:rPr lang="en-US" b="1" dirty="0" err="1" smtClean="0"/>
+              <a:t>Mikolov</a:t>
+            </a:r>
+            <a:r>
+              <a:rPr lang="en-US" b="1" dirty="0" smtClean="0"/>
+              <a:t> 2015) </a:t>
+            </a:r>
+            <a:r>
+              <a:rPr lang="en-US" dirty="0" smtClean="0"/>
+              <a:t>- </a:t>
+            </a:r>
+            <a:r>
+              <a:rPr lang="en-US" dirty="0"/>
+              <a:t>count and to memorize </a:t>
+            </a:r>
+            <a:r>
+              <a:rPr lang="en-US" dirty="0" smtClean="0"/>
+              <a:t>sequences.</a:t>
+            </a:r>
+            <a:endParaRPr lang="en-US" b="1" dirty="0"/>
+          </a:p>
+          <a:p>
+            <a:pPr marL="0" indent="0">
+              <a:buNone/>
+            </a:pPr>
+            <a:endParaRPr lang="he-IL" dirty="0"/>
+          </a:p>
+        </p:txBody>
+      </p:sp>
+      <p:sp>
+        <p:nvSpPr>
+          <p:cNvPr id="3" name="Title 2"/>
+          <p:cNvSpPr>
+            <a:spLocks noGrp="1"/>
+          </p:cNvSpPr>
+          <p:nvPr>
+            <p:ph type="title"/>
+          </p:nvPr>
+        </p:nvSpPr>
+        <p:spPr/>
+        <p:txBody>
+          <a:bodyPr/>
+          <a:lstStyle/>
+          <a:p>
+            <a:r>
+              <a:rPr lang="en-US" dirty="0" smtClean="0"/>
+              <a:t>And more…</a:t>
+            </a:r>
+            <a:endParaRPr lang="he-IL" dirty="0"/>
+          </a:p>
+        </p:txBody>
+      </p:sp>
+    </p:spTree>
+    <p:extLst>
+      <p:ext uri="{BB962C8B-B14F-4D97-AF65-F5344CB8AC3E}">
+        <p14:creationId xmlns:p14="http://schemas.microsoft.com/office/powerpoint/2010/main" val="1657265715"/>
+      </p:ext>
+    </p:extLst>
+  </p:cSld>
+  <p:clrMapOvr>
+    <a:masterClrMapping/>
+  </p:clrMapOvr>
+  <p:transition>
+    <p:fade/>
+  </p:transition>
+  <p:timing>
+    <p:tnLst>
+      <p:par>
+        <p:cTn id="1" dur="indefinite" restart="never" nodeType="tmRoot"/>
+      </p:par>
+    </p:tnLst>
+  </p:timing>
+</p:sld>
+</file>
+
+<file path=ppt/slides/slide35.xml><?xml version="1.0" encoding="utf-8"?>
+<p:sld xmlns:a="http://schemas.openxmlformats.org/drawingml/2006/main" xmlns:r="http://schemas.openxmlformats.org/officeDocument/2006/relationships" xmlns:p="http://schemas.openxmlformats.org/presentationml/2006/main">
+  <p:cSld>
+    <p:spTree>
+      <p:nvGrpSpPr>
+        <p:cNvPr id="1" name=""/>
+        <p:cNvGrpSpPr/>
+        <p:nvPr/>
+      </p:nvGrpSpPr>
+      <p:grpSpPr>
+        <a:xfrm>
+          <a:off x="0" y="0"/>
+          <a:ext cx="0" cy="0"/>
+          <a:chOff x="0" y="0"/>
+          <a:chExt cx="0" cy="0"/>
+        </a:xfrm>
+      </p:grpSpPr>
+      <p:sp>
+        <p:nvSpPr>
+          <p:cNvPr id="2" name="Content Placeholder 1"/>
+          <p:cNvSpPr>
+            <a:spLocks noGrp="1"/>
+          </p:cNvSpPr>
+          <p:nvPr>
+            <p:ph idx="1"/>
+          </p:nvPr>
+        </p:nvSpPr>
+        <p:spPr/>
+        <p:txBody>
+          <a:bodyPr/>
+          <a:lstStyle/>
+          <a:p>
             <a:r>
               <a:rPr lang="en-US" dirty="0" smtClean="0"/>
               <a:t>Train </a:t>
@@ -18646,7 +18747,7 @@
 </p:sld>
 </file>
 
-<file path=ppt/slides/slide35.xml><?xml version="1.0" encoding="utf-8"?>
+<file path=ppt/slides/slide36.xml><?xml version="1.0" encoding="utf-8"?>
 <p:sld xmlns:a="http://schemas.openxmlformats.org/drawingml/2006/main" xmlns:r="http://schemas.openxmlformats.org/officeDocument/2006/relationships" xmlns:p="http://schemas.openxmlformats.org/presentationml/2006/main">
   <p:cSld>
     <p:spTree>
